--- a/présentation pétanque shooter.pptx
+++ b/présentation pétanque shooter.pptx
@@ -11,13 +11,16 @@
     <p:sldId id="259" r:id="rId5"/>
     <p:sldId id="260" r:id="rId6"/>
     <p:sldId id="266" r:id="rId7"/>
-    <p:sldId id="258" r:id="rId8"/>
-    <p:sldId id="261" r:id="rId9"/>
-    <p:sldId id="264" r:id="rId10"/>
-    <p:sldId id="267" r:id="rId11"/>
-    <p:sldId id="265" r:id="rId12"/>
-    <p:sldId id="268" r:id="rId13"/>
-    <p:sldId id="269" r:id="rId14"/>
+    <p:sldId id="272" r:id="rId8"/>
+    <p:sldId id="258" r:id="rId9"/>
+    <p:sldId id="261" r:id="rId10"/>
+    <p:sldId id="264" r:id="rId11"/>
+    <p:sldId id="267" r:id="rId12"/>
+    <p:sldId id="265" r:id="rId13"/>
+    <p:sldId id="268" r:id="rId14"/>
+    <p:sldId id="270" r:id="rId15"/>
+    <p:sldId id="271" r:id="rId16"/>
+    <p:sldId id="269" r:id="rId17"/>
   </p:sldIdLst>
   <p:sldSz cx="12192000" cy="6858000"/>
   <p:notesSz cx="6858000" cy="9144000"/>
@@ -116,6 +119,11 @@
       </a:defRPr>
     </a:lvl9pPr>
   </p:defaultTextStyle>
+  <p:extLst>
+    <p:ext uri="{EFAFB233-063F-42B5-8137-9DF3F51BA10A}">
+      <p15:sldGuideLst xmlns:p15="http://schemas.microsoft.com/office/powerpoint/2012/main"/>
+    </p:ext>
+  </p:extLst>
 </p:presentation>
 </file>
 
@@ -266,7 +274,7 @@
           <a:p>
             <a:fld id="{59F5E43C-1F1E-48BD-A925-FA1D0AC62011}" type="datetimeFigureOut">
               <a:rPr lang="fr-FR" smtClean="0"/>
-              <a:t>04/02/2020</a:t>
+              <a:t>08/02/2020</a:t>
             </a:fld>
             <a:endParaRPr lang="fr-FR"/>
           </a:p>
@@ -464,7 +472,7 @@
           <a:p>
             <a:fld id="{59F5E43C-1F1E-48BD-A925-FA1D0AC62011}" type="datetimeFigureOut">
               <a:rPr lang="fr-FR" smtClean="0"/>
-              <a:t>04/02/2020</a:t>
+              <a:t>08/02/2020</a:t>
             </a:fld>
             <a:endParaRPr lang="fr-FR"/>
           </a:p>
@@ -672,7 +680,7 @@
           <a:p>
             <a:fld id="{59F5E43C-1F1E-48BD-A925-FA1D0AC62011}" type="datetimeFigureOut">
               <a:rPr lang="fr-FR" smtClean="0"/>
-              <a:t>04/02/2020</a:t>
+              <a:t>08/02/2020</a:t>
             </a:fld>
             <a:endParaRPr lang="fr-FR"/>
           </a:p>
@@ -870,7 +878,7 @@
           <a:p>
             <a:fld id="{59F5E43C-1F1E-48BD-A925-FA1D0AC62011}" type="datetimeFigureOut">
               <a:rPr lang="fr-FR" smtClean="0"/>
-              <a:t>04/02/2020</a:t>
+              <a:t>08/02/2020</a:t>
             </a:fld>
             <a:endParaRPr lang="fr-FR"/>
           </a:p>
@@ -1145,7 +1153,7 @@
           <a:p>
             <a:fld id="{59F5E43C-1F1E-48BD-A925-FA1D0AC62011}" type="datetimeFigureOut">
               <a:rPr lang="fr-FR" smtClean="0"/>
-              <a:t>04/02/2020</a:t>
+              <a:t>08/02/2020</a:t>
             </a:fld>
             <a:endParaRPr lang="fr-FR"/>
           </a:p>
@@ -1410,7 +1418,7 @@
           <a:p>
             <a:fld id="{59F5E43C-1F1E-48BD-A925-FA1D0AC62011}" type="datetimeFigureOut">
               <a:rPr lang="fr-FR" smtClean="0"/>
-              <a:t>04/02/2020</a:t>
+              <a:t>08/02/2020</a:t>
             </a:fld>
             <a:endParaRPr lang="fr-FR"/>
           </a:p>
@@ -1822,7 +1830,7 @@
           <a:p>
             <a:fld id="{59F5E43C-1F1E-48BD-A925-FA1D0AC62011}" type="datetimeFigureOut">
               <a:rPr lang="fr-FR" smtClean="0"/>
-              <a:t>04/02/2020</a:t>
+              <a:t>08/02/2020</a:t>
             </a:fld>
             <a:endParaRPr lang="fr-FR"/>
           </a:p>
@@ -1963,7 +1971,7 @@
           <a:p>
             <a:fld id="{59F5E43C-1F1E-48BD-A925-FA1D0AC62011}" type="datetimeFigureOut">
               <a:rPr lang="fr-FR" smtClean="0"/>
-              <a:t>04/02/2020</a:t>
+              <a:t>08/02/2020</a:t>
             </a:fld>
             <a:endParaRPr lang="fr-FR"/>
           </a:p>
@@ -2076,7 +2084,7 @@
           <a:p>
             <a:fld id="{59F5E43C-1F1E-48BD-A925-FA1D0AC62011}" type="datetimeFigureOut">
               <a:rPr lang="fr-FR" smtClean="0"/>
-              <a:t>04/02/2020</a:t>
+              <a:t>08/02/2020</a:t>
             </a:fld>
             <a:endParaRPr lang="fr-FR"/>
           </a:p>
@@ -2387,7 +2395,7 @@
           <a:p>
             <a:fld id="{59F5E43C-1F1E-48BD-A925-FA1D0AC62011}" type="datetimeFigureOut">
               <a:rPr lang="fr-FR" smtClean="0"/>
-              <a:t>04/02/2020</a:t>
+              <a:t>08/02/2020</a:t>
             </a:fld>
             <a:endParaRPr lang="fr-FR"/>
           </a:p>
@@ -2675,7 +2683,7 @@
           <a:p>
             <a:fld id="{59F5E43C-1F1E-48BD-A925-FA1D0AC62011}" type="datetimeFigureOut">
               <a:rPr lang="fr-FR" smtClean="0"/>
-              <a:t>04/02/2020</a:t>
+              <a:t>08/02/2020</a:t>
             </a:fld>
             <a:endParaRPr lang="fr-FR"/>
           </a:p>
@@ -2916,7 +2924,7 @@
           <a:p>
             <a:fld id="{59F5E43C-1F1E-48BD-A925-FA1D0AC62011}" type="datetimeFigureOut">
               <a:rPr lang="fr-FR" smtClean="0"/>
-              <a:t>04/02/2020</a:t>
+              <a:t>08/02/2020</a:t>
             </a:fld>
             <a:endParaRPr lang="fr-FR"/>
           </a:p>
@@ -4327,7 +4335,7 @@
         </p:nvSpPr>
         <p:spPr>
           <a:xfrm>
-            <a:off x="1522383" y="1665849"/>
+            <a:off x="1478250" y="1648956"/>
             <a:ext cx="4677439" cy="769441"/>
           </a:xfrm>
           <a:prstGeom prst="rect">
@@ -4344,52 +4352,17 @@
             <a:pPr algn="ctr"/>
             <a:r>
               <a:rPr lang="fr-FR" sz="4400" dirty="0"/>
-              <a:t>CSS</a:t>
-            </a:r>
-          </a:p>
-        </p:txBody>
-      </p:sp>
-      <p:sp>
-        <p:nvSpPr>
-          <p:cNvPr id="4" name="ZoneTexte 3">
-            <a:extLst>
-              <a:ext uri="{FF2B5EF4-FFF2-40B4-BE49-F238E27FC236}">
-                <a16:creationId xmlns:a16="http://schemas.microsoft.com/office/drawing/2014/main" id="{4A01EE9A-F2AC-4219-9D78-D6AC4298885C}"/>
-              </a:ext>
-            </a:extLst>
-          </p:cNvPr>
-          <p:cNvSpPr txBox="1"/>
-          <p:nvPr/>
-        </p:nvSpPr>
-        <p:spPr>
-          <a:xfrm>
-            <a:off x="0" y="4376057"/>
-            <a:ext cx="1362270" cy="923330"/>
-          </a:xfrm>
-          <a:prstGeom prst="rect">
-            <a:avLst/>
-          </a:prstGeom>
-          <a:noFill/>
-        </p:spPr>
-        <p:txBody>
-          <a:bodyPr wrap="square" rtlCol="0">
-            <a:spAutoFit/>
-          </a:bodyPr>
-          <a:lstStyle/>
-          <a:p>
-            <a:r>
-              <a:rPr lang="fr-FR" dirty="0"/>
-              <a:t>Ici un exemple du code </a:t>
+              <a:t>JAVASCRIPT</a:t>
             </a:r>
           </a:p>
         </p:txBody>
       </p:sp>
       <p:pic>
         <p:nvPicPr>
-          <p:cNvPr id="5" name="Image 4">
-            <a:extLst>
-              <a:ext uri="{FF2B5EF4-FFF2-40B4-BE49-F238E27FC236}">
-                <a16:creationId xmlns:a16="http://schemas.microsoft.com/office/drawing/2014/main" id="{3F56C1DC-F97C-4EEB-A6C8-0C48D4301B06}"/>
+          <p:cNvPr id="3" name="Image 2">
+            <a:extLst>
+              <a:ext uri="{FF2B5EF4-FFF2-40B4-BE49-F238E27FC236}">
+                <a16:creationId xmlns:a16="http://schemas.microsoft.com/office/drawing/2014/main" id="{0A217638-0BD4-4B8D-BDAF-E9752AC03EB2}"/>
               </a:ext>
             </a:extLst>
           </p:cNvPr>
@@ -4406,18 +4379,53 @@
         </p:blipFill>
         <p:spPr>
           <a:xfrm>
-            <a:off x="1219530" y="2614675"/>
-            <a:ext cx="5843743" cy="3225892"/>
+            <a:off x="1431345" y="2418397"/>
+            <a:ext cx="5037003" cy="4156300"/>
           </a:xfrm>
           <a:prstGeom prst="rect">
             <a:avLst/>
           </a:prstGeom>
         </p:spPr>
       </p:pic>
+      <p:sp>
+        <p:nvSpPr>
+          <p:cNvPr id="4" name="ZoneTexte 3">
+            <a:extLst>
+              <a:ext uri="{FF2B5EF4-FFF2-40B4-BE49-F238E27FC236}">
+                <a16:creationId xmlns:a16="http://schemas.microsoft.com/office/drawing/2014/main" id="{4A01EE9A-F2AC-4219-9D78-D6AC4298885C}"/>
+              </a:ext>
+            </a:extLst>
+          </p:cNvPr>
+          <p:cNvSpPr txBox="1"/>
+          <p:nvPr/>
+        </p:nvSpPr>
+        <p:spPr>
+          <a:xfrm>
+            <a:off x="160113" y="4422710"/>
+            <a:ext cx="1362270" cy="923330"/>
+          </a:xfrm>
+          <a:prstGeom prst="rect">
+            <a:avLst/>
+          </a:prstGeom>
+          <a:noFill/>
+        </p:spPr>
+        <p:txBody>
+          <a:bodyPr wrap="square" rtlCol="0">
+            <a:spAutoFit/>
+          </a:bodyPr>
+          <a:lstStyle/>
+          <a:p>
+            <a:r>
+              <a:rPr lang="fr-FR" dirty="0"/>
+              <a:t>Ici un exemple du code </a:t>
+            </a:r>
+          </a:p>
+        </p:txBody>
+      </p:sp>
     </p:spTree>
     <p:extLst>
       <p:ext uri="{BB962C8B-B14F-4D97-AF65-F5344CB8AC3E}">
-        <p14:creationId xmlns:p14="http://schemas.microsoft.com/office/powerpoint/2010/main" val="619073456"/>
+        <p14:creationId xmlns:p14="http://schemas.microsoft.com/office/powerpoint/2010/main" val="2260715465"/>
       </p:ext>
     </p:extLst>
   </p:cSld>
@@ -5027,7 +5035,7 @@
         </p:nvSpPr>
         <p:spPr>
           <a:xfrm>
-            <a:off x="1478250" y="1648956"/>
+            <a:off x="1522383" y="1665849"/>
             <a:ext cx="4677439" cy="769441"/>
           </a:xfrm>
           <a:prstGeom prst="rect">
@@ -5044,7 +5052,42 @@
             <a:pPr algn="ctr"/>
             <a:r>
               <a:rPr lang="fr-FR" sz="4400" dirty="0"/>
-              <a:t>GIT</a:t>
+              <a:t>CSS</a:t>
+            </a:r>
+          </a:p>
+        </p:txBody>
+      </p:sp>
+      <p:sp>
+        <p:nvSpPr>
+          <p:cNvPr id="4" name="ZoneTexte 3">
+            <a:extLst>
+              <a:ext uri="{FF2B5EF4-FFF2-40B4-BE49-F238E27FC236}">
+                <a16:creationId xmlns:a16="http://schemas.microsoft.com/office/drawing/2014/main" id="{4A01EE9A-F2AC-4219-9D78-D6AC4298885C}"/>
+              </a:ext>
+            </a:extLst>
+          </p:cNvPr>
+          <p:cNvSpPr txBox="1"/>
+          <p:nvPr/>
+        </p:nvSpPr>
+        <p:spPr>
+          <a:xfrm>
+            <a:off x="0" y="4376057"/>
+            <a:ext cx="1362270" cy="923330"/>
+          </a:xfrm>
+          <a:prstGeom prst="rect">
+            <a:avLst/>
+          </a:prstGeom>
+          <a:noFill/>
+        </p:spPr>
+        <p:txBody>
+          <a:bodyPr wrap="square" rtlCol="0">
+            <a:spAutoFit/>
+          </a:bodyPr>
+          <a:lstStyle/>
+          <a:p>
+            <a:r>
+              <a:rPr lang="fr-FR" dirty="0"/>
+              <a:t>Ici un exemple du code </a:t>
             </a:r>
           </a:p>
         </p:txBody>
@@ -5054,7 +5097,7 @@
           <p:cNvPr id="5" name="Image 4">
             <a:extLst>
               <a:ext uri="{FF2B5EF4-FFF2-40B4-BE49-F238E27FC236}">
-                <a16:creationId xmlns:a16="http://schemas.microsoft.com/office/drawing/2014/main" id="{7989A16E-54B5-4203-9292-D3579BD09059}"/>
+                <a16:creationId xmlns:a16="http://schemas.microsoft.com/office/drawing/2014/main" id="{3F56C1DC-F97C-4EEB-A6C8-0C48D4301B06}"/>
               </a:ext>
             </a:extLst>
           </p:cNvPr>
@@ -5071,53 +5114,18 @@
         </p:blipFill>
         <p:spPr>
           <a:xfrm>
-            <a:off x="1294332" y="2430999"/>
-            <a:ext cx="5553850" cy="3686689"/>
+            <a:off x="1219530" y="2614675"/>
+            <a:ext cx="5843743" cy="3225892"/>
           </a:xfrm>
           <a:prstGeom prst="rect">
             <a:avLst/>
           </a:prstGeom>
         </p:spPr>
       </p:pic>
-      <p:sp>
-        <p:nvSpPr>
-          <p:cNvPr id="6" name="ZoneTexte 5">
-            <a:extLst>
-              <a:ext uri="{FF2B5EF4-FFF2-40B4-BE49-F238E27FC236}">
-                <a16:creationId xmlns:a16="http://schemas.microsoft.com/office/drawing/2014/main" id="{4F226F49-531F-42CC-B663-DC2DE37F6DFC}"/>
-              </a:ext>
-            </a:extLst>
-          </p:cNvPr>
-          <p:cNvSpPr txBox="1"/>
-          <p:nvPr/>
-        </p:nvSpPr>
-        <p:spPr>
-          <a:xfrm>
-            <a:off x="1878174" y="6303178"/>
-            <a:ext cx="4266713" cy="369332"/>
-          </a:xfrm>
-          <a:prstGeom prst="rect">
-            <a:avLst/>
-          </a:prstGeom>
-          <a:noFill/>
-        </p:spPr>
-        <p:txBody>
-          <a:bodyPr wrap="square" rtlCol="0">
-            <a:spAutoFit/>
-          </a:bodyPr>
-          <a:lstStyle/>
-          <a:p>
-            <a:r>
-              <a:rPr lang="fr-FR" dirty="0"/>
-              <a:t>Ajout de la version 2 du Javascript</a:t>
-            </a:r>
-          </a:p>
-        </p:txBody>
-      </p:sp>
     </p:spTree>
     <p:extLst>
       <p:ext uri="{BB962C8B-B14F-4D97-AF65-F5344CB8AC3E}">
-        <p14:creationId xmlns:p14="http://schemas.microsoft.com/office/powerpoint/2010/main" val="1241923160"/>
+        <p14:creationId xmlns:p14="http://schemas.microsoft.com/office/powerpoint/2010/main" val="619073456"/>
       </p:ext>
     </p:extLst>
   </p:cSld>
@@ -5527,7 +5535,7 @@
                 </a:solidFill>
                 <a:latin typeface="Algerian" panose="04020705040A02060702" pitchFamily="82" charset="0"/>
               </a:rPr>
-              <a:t>3. DEMO DU PROJET FINAL</a:t>
+              <a:t>2. LANGUAGE Utilisé</a:t>
             </a:r>
           </a:p>
         </p:txBody>
@@ -5713,10 +5721,111 @@
           </a:p>
         </p:txBody>
       </p:sp>
+      <p:sp>
+        <p:nvSpPr>
+          <p:cNvPr id="8" name="ZoneTexte 7">
+            <a:extLst>
+              <a:ext uri="{FF2B5EF4-FFF2-40B4-BE49-F238E27FC236}">
+                <a16:creationId xmlns:a16="http://schemas.microsoft.com/office/drawing/2014/main" id="{0A42D381-1D3B-4BAC-B33B-48CA484D4796}"/>
+              </a:ext>
+            </a:extLst>
+          </p:cNvPr>
+          <p:cNvSpPr txBox="1"/>
+          <p:nvPr/>
+        </p:nvSpPr>
+        <p:spPr>
+          <a:xfrm>
+            <a:off x="1478250" y="1648956"/>
+            <a:ext cx="4677439" cy="769441"/>
+          </a:xfrm>
+          <a:prstGeom prst="rect">
+            <a:avLst/>
+          </a:prstGeom>
+          <a:noFill/>
+        </p:spPr>
+        <p:txBody>
+          <a:bodyPr wrap="square" rtlCol="0">
+            <a:spAutoFit/>
+          </a:bodyPr>
+          <a:lstStyle/>
+          <a:p>
+            <a:pPr algn="ctr"/>
+            <a:r>
+              <a:rPr lang="fr-FR" sz="4400" dirty="0"/>
+              <a:t>GIT</a:t>
+            </a:r>
+          </a:p>
+        </p:txBody>
+      </p:sp>
+      <p:pic>
+        <p:nvPicPr>
+          <p:cNvPr id="5" name="Image 4">
+            <a:extLst>
+              <a:ext uri="{FF2B5EF4-FFF2-40B4-BE49-F238E27FC236}">
+                <a16:creationId xmlns:a16="http://schemas.microsoft.com/office/drawing/2014/main" id="{7989A16E-54B5-4203-9292-D3579BD09059}"/>
+              </a:ext>
+            </a:extLst>
+          </p:cNvPr>
+          <p:cNvPicPr>
+            <a:picLocks noChangeAspect="1"/>
+          </p:cNvPicPr>
+          <p:nvPr/>
+        </p:nvPicPr>
+        <p:blipFill>
+          <a:blip r:embed="rId3"/>
+          <a:stretch>
+            <a:fillRect/>
+          </a:stretch>
+        </p:blipFill>
+        <p:spPr>
+          <a:xfrm>
+            <a:off x="1294332" y="2430999"/>
+            <a:ext cx="5553850" cy="3686689"/>
+          </a:xfrm>
+          <a:prstGeom prst="rect">
+            <a:avLst/>
+          </a:prstGeom>
+        </p:spPr>
+      </p:pic>
+      <p:sp>
+        <p:nvSpPr>
+          <p:cNvPr id="6" name="ZoneTexte 5">
+            <a:extLst>
+              <a:ext uri="{FF2B5EF4-FFF2-40B4-BE49-F238E27FC236}">
+                <a16:creationId xmlns:a16="http://schemas.microsoft.com/office/drawing/2014/main" id="{4F226F49-531F-42CC-B663-DC2DE37F6DFC}"/>
+              </a:ext>
+            </a:extLst>
+          </p:cNvPr>
+          <p:cNvSpPr txBox="1"/>
+          <p:nvPr/>
+        </p:nvSpPr>
+        <p:spPr>
+          <a:xfrm>
+            <a:off x="1878174" y="6303178"/>
+            <a:ext cx="4266713" cy="369332"/>
+          </a:xfrm>
+          <a:prstGeom prst="rect">
+            <a:avLst/>
+          </a:prstGeom>
+          <a:noFill/>
+        </p:spPr>
+        <p:txBody>
+          <a:bodyPr wrap="square" rtlCol="0">
+            <a:spAutoFit/>
+          </a:bodyPr>
+          <a:lstStyle/>
+          <a:p>
+            <a:r>
+              <a:rPr lang="fr-FR" dirty="0"/>
+              <a:t>Ajout de la version 2 du Javascript</a:t>
+            </a:r>
+          </a:p>
+        </p:txBody>
+      </p:sp>
     </p:spTree>
     <p:extLst>
       <p:ext uri="{BB962C8B-B14F-4D97-AF65-F5344CB8AC3E}">
-        <p14:creationId xmlns:p14="http://schemas.microsoft.com/office/powerpoint/2010/main" val="564488811"/>
+        <p14:creationId xmlns:p14="http://schemas.microsoft.com/office/powerpoint/2010/main" val="1241923160"/>
       </p:ext>
     </p:extLst>
   </p:cSld>
@@ -6126,7 +6235,7 @@
                 </a:solidFill>
                 <a:latin typeface="Algerian" panose="04020705040A02060702" pitchFamily="82" charset="0"/>
               </a:rPr>
-              <a:t>4. Conclusion </a:t>
+              <a:t>3. DEMO DU PROJET FINAL</a:t>
             </a:r>
           </a:p>
         </p:txBody>
@@ -6312,12 +6421,570 @@
           </a:p>
         </p:txBody>
       </p:sp>
-      <p:sp>
-        <p:nvSpPr>
-          <p:cNvPr id="3" name="ZoneTexte 2">
-            <a:extLst>
-              <a:ext uri="{FF2B5EF4-FFF2-40B4-BE49-F238E27FC236}">
-                <a16:creationId xmlns:a16="http://schemas.microsoft.com/office/drawing/2014/main" id="{420CA6FA-BC4D-4013-8CA2-148EF45F499B}"/>
+    </p:spTree>
+    <p:extLst>
+      <p:ext uri="{BB962C8B-B14F-4D97-AF65-F5344CB8AC3E}">
+        <p14:creationId xmlns:p14="http://schemas.microsoft.com/office/powerpoint/2010/main" val="564488811"/>
+      </p:ext>
+    </p:extLst>
+  </p:cSld>
+  <p:clrMapOvr>
+    <a:overrideClrMapping bg1="dk1" tx1="lt1" bg2="dk2" tx2="lt2" accent1="accent1" accent2="accent2" accent3="accent3" accent4="accent4" accent5="accent5" accent6="accent6" hlink="hlink" folHlink="folHlink"/>
+  </p:clrMapOvr>
+</p:sld>
+</file>
+
+<file path=ppt/slides/slide14.xml><?xml version="1.0" encoding="utf-8"?>
+<p:sld xmlns:a="http://schemas.openxmlformats.org/drawingml/2006/main" xmlns:r="http://schemas.openxmlformats.org/officeDocument/2006/relationships" xmlns:p="http://schemas.openxmlformats.org/presentationml/2006/main">
+  <p:cSld>
+    <p:bg>
+      <p:bgPr>
+        <a:solidFill>
+          <a:schemeClr val="bg1"/>
+        </a:solidFill>
+        <a:effectLst/>
+      </p:bgPr>
+    </p:bg>
+    <p:spTree>
+      <p:nvGrpSpPr>
+        <p:cNvPr id="1" name=""/>
+        <p:cNvGrpSpPr/>
+        <p:nvPr/>
+      </p:nvGrpSpPr>
+      <p:grpSpPr>
+        <a:xfrm>
+          <a:off x="0" y="0"/>
+          <a:ext cx="0" cy="0"/>
+          <a:chOff x="0" y="0"/>
+          <a:chExt cx="0" cy="0"/>
+        </a:xfrm>
+      </p:grpSpPr>
+      <p:sp>
+        <p:nvSpPr>
+          <p:cNvPr id="71" name="Rectangle 70">
+            <a:extLst>
+              <a:ext uri="{FF2B5EF4-FFF2-40B4-BE49-F238E27FC236}">
+                <a16:creationId xmlns:a16="http://schemas.microsoft.com/office/drawing/2014/main" id="{6EBF06A5-4173-45DE-87B1-0791E098A374}"/>
+              </a:ext>
+              <a:ext uri="{C183D7F6-B498-43B3-948B-1728B52AA6E4}">
+                <adec:decorative xmlns:adec="http://schemas.microsoft.com/office/drawing/2017/decorative" val="1"/>
+              </a:ext>
+            </a:extLst>
+          </p:cNvPr>
+          <p:cNvSpPr>
+            <a:spLocks noGrp="1" noRot="1" noChangeAspect="1" noMove="1" noResize="1" noEditPoints="1" noAdjustHandles="1" noChangeArrowheads="1" noChangeShapeType="1" noTextEdit="1"/>
+          </p:cNvSpPr>
+          <p:nvPr>
+            <p:extLst>
+              <p:ext uri="{386F3935-93C4-4BCD-93E2-E3B085C9AB24}">
+                <p16:designElem xmlns:p16="http://schemas.microsoft.com/office/powerpoint/2015/main" val="1"/>
+              </p:ext>
+            </p:extLst>
+          </p:nvPr>
+        </p:nvSpPr>
+        <p:spPr>
+          <a:xfrm>
+            <a:off x="0" y="0"/>
+            <a:ext cx="12192000" cy="6858000"/>
+          </a:xfrm>
+          <a:prstGeom prst="rect">
+            <a:avLst/>
+          </a:prstGeom>
+          <a:solidFill>
+            <a:srgbClr val="FFFFFF"/>
+          </a:solidFill>
+          <a:ln>
+            <a:noFill/>
+          </a:ln>
+        </p:spPr>
+        <p:style>
+          <a:lnRef idx="2">
+            <a:schemeClr val="accent1">
+              <a:shade val="50000"/>
+            </a:schemeClr>
+          </a:lnRef>
+          <a:fillRef idx="1">
+            <a:schemeClr val="accent1"/>
+          </a:fillRef>
+          <a:effectRef idx="0">
+            <a:schemeClr val="accent1"/>
+          </a:effectRef>
+          <a:fontRef idx="minor">
+            <a:schemeClr val="lt1"/>
+          </a:fontRef>
+        </p:style>
+        <p:txBody>
+          <a:bodyPr rtlCol="0" anchor="ctr"/>
+          <a:lstStyle/>
+          <a:p>
+            <a:pPr algn="ctr"/>
+            <a:endParaRPr lang="en-US"/>
+          </a:p>
+        </p:txBody>
+      </p:sp>
+      <p:pic>
+        <p:nvPicPr>
+          <p:cNvPr id="2050" name="Picture 2" descr="Résultat de recherche d'images pour &quot;pétanque&quot;">
+            <a:extLst>
+              <a:ext uri="{FF2B5EF4-FFF2-40B4-BE49-F238E27FC236}">
+                <a16:creationId xmlns:a16="http://schemas.microsoft.com/office/drawing/2014/main" id="{ED1DA65D-A797-4792-9B35-414C5152905E}"/>
+              </a:ext>
+            </a:extLst>
+          </p:cNvPr>
+          <p:cNvPicPr>
+            <a:picLocks noChangeAspect="1" noChangeArrowheads="1"/>
+          </p:cNvPicPr>
+          <p:nvPr/>
+        </p:nvPicPr>
+        <p:blipFill rotWithShape="1">
+          <a:blip r:embed="rId2">
+            <a:extLst>
+              <a:ext uri="{28A0092B-C50C-407E-A947-70E740481C1C}">
+                <a14:useLocalDpi xmlns:a14="http://schemas.microsoft.com/office/drawing/2010/main" val="0"/>
+              </a:ext>
+            </a:extLst>
+          </a:blip>
+          <a:srcRect l="10322" r="19960" b="1"/>
+          <a:stretch/>
+        </p:blipFill>
+        <p:spPr bwMode="auto">
+          <a:xfrm>
+            <a:off x="6728728" y="1690688"/>
+            <a:ext cx="5463273" cy="5167312"/>
+          </a:xfrm>
+          <a:custGeom>
+            <a:avLst/>
+            <a:gdLst>
+              <a:gd name="connsiteX0" fmla="*/ 2391664 w 5463273"/>
+              <a:gd name="connsiteY0" fmla="*/ 0 h 5167312"/>
+              <a:gd name="connsiteX1" fmla="*/ 2729598 w 5463273"/>
+              <a:gd name="connsiteY1" fmla="*/ 0 h 5167312"/>
+              <a:gd name="connsiteX2" fmla="*/ 3668014 w 5463273"/>
+              <a:gd name="connsiteY2" fmla="*/ 0 h 5167312"/>
+              <a:gd name="connsiteX3" fmla="*/ 5463273 w 5463273"/>
+              <a:gd name="connsiteY3" fmla="*/ 0 h 5167312"/>
+              <a:gd name="connsiteX4" fmla="*/ 5463273 w 5463273"/>
+              <a:gd name="connsiteY4" fmla="*/ 5167310 h 5167312"/>
+              <a:gd name="connsiteX5" fmla="*/ 3668014 w 5463273"/>
+              <a:gd name="connsiteY5" fmla="*/ 5167310 h 5167312"/>
+              <a:gd name="connsiteX6" fmla="*/ 3668014 w 5463273"/>
+              <a:gd name="connsiteY6" fmla="*/ 5167312 h 5167312"/>
+              <a:gd name="connsiteX7" fmla="*/ 0 w 5463273"/>
+              <a:gd name="connsiteY7" fmla="*/ 5167312 h 5167312"/>
+              <a:gd name="connsiteX8" fmla="*/ 2393879 w 5463273"/>
+              <a:gd name="connsiteY8" fmla="*/ 952 h 5167312"/>
+              <a:gd name="connsiteX9" fmla="*/ 2391664 w 5463273"/>
+              <a:gd name="connsiteY9" fmla="*/ 952 h 5167312"/>
+            </a:gdLst>
+            <a:ahLst/>
+            <a:cxnLst>
+              <a:cxn ang="0">
+                <a:pos x="connsiteX0" y="connsiteY0"/>
+              </a:cxn>
+              <a:cxn ang="0">
+                <a:pos x="connsiteX1" y="connsiteY1"/>
+              </a:cxn>
+              <a:cxn ang="0">
+                <a:pos x="connsiteX2" y="connsiteY2"/>
+              </a:cxn>
+              <a:cxn ang="0">
+                <a:pos x="connsiteX3" y="connsiteY3"/>
+              </a:cxn>
+              <a:cxn ang="0">
+                <a:pos x="connsiteX4" y="connsiteY4"/>
+              </a:cxn>
+              <a:cxn ang="0">
+                <a:pos x="connsiteX5" y="connsiteY5"/>
+              </a:cxn>
+              <a:cxn ang="0">
+                <a:pos x="connsiteX6" y="connsiteY6"/>
+              </a:cxn>
+              <a:cxn ang="0">
+                <a:pos x="connsiteX7" y="connsiteY7"/>
+              </a:cxn>
+              <a:cxn ang="0">
+                <a:pos x="connsiteX8" y="connsiteY8"/>
+              </a:cxn>
+              <a:cxn ang="0">
+                <a:pos x="connsiteX9" y="connsiteY9"/>
+              </a:cxn>
+            </a:cxnLst>
+            <a:rect l="l" t="t" r="r" b="b"/>
+            <a:pathLst>
+              <a:path w="5463273" h="5167312">
+                <a:moveTo>
+                  <a:pt x="2391664" y="0"/>
+                </a:moveTo>
+                <a:lnTo>
+                  <a:pt x="2729598" y="0"/>
+                </a:lnTo>
+                <a:lnTo>
+                  <a:pt x="3668014" y="0"/>
+                </a:lnTo>
+                <a:lnTo>
+                  <a:pt x="5463273" y="0"/>
+                </a:lnTo>
+                <a:lnTo>
+                  <a:pt x="5463273" y="5167310"/>
+                </a:lnTo>
+                <a:lnTo>
+                  <a:pt x="3668014" y="5167310"/>
+                </a:lnTo>
+                <a:lnTo>
+                  <a:pt x="3668014" y="5167312"/>
+                </a:lnTo>
+                <a:lnTo>
+                  <a:pt x="0" y="5167312"/>
+                </a:lnTo>
+                <a:lnTo>
+                  <a:pt x="2393879" y="952"/>
+                </a:lnTo>
+                <a:lnTo>
+                  <a:pt x="2391664" y="952"/>
+                </a:lnTo>
+                <a:close/>
+              </a:path>
+            </a:pathLst>
+          </a:custGeom>
+          <a:noFill/>
+          <a:extLst>
+            <a:ext uri="{909E8E84-426E-40DD-AFC4-6F175D3DCCD1}">
+              <a14:hiddenFill xmlns:a14="http://schemas.microsoft.com/office/drawing/2010/main">
+                <a:solidFill>
+                  <a:srgbClr val="FFFFFF"/>
+                </a:solidFill>
+              </a14:hiddenFill>
+            </a:ext>
+          </a:extLst>
+        </p:spPr>
+      </p:pic>
+      <p:sp>
+        <p:nvSpPr>
+          <p:cNvPr id="73" name="Freeform: Shape 72">
+            <a:extLst>
+              <a:ext uri="{FF2B5EF4-FFF2-40B4-BE49-F238E27FC236}">
+                <a16:creationId xmlns:a16="http://schemas.microsoft.com/office/drawing/2014/main" id="{581DAA37-DAFB-47C9-9EE7-11C030BEC838}"/>
+              </a:ext>
+              <a:ext uri="{C183D7F6-B498-43B3-948B-1728B52AA6E4}">
+                <adec:decorative xmlns:adec="http://schemas.microsoft.com/office/drawing/2017/decorative" val="1"/>
+              </a:ext>
+            </a:extLst>
+          </p:cNvPr>
+          <p:cNvSpPr>
+            <a:spLocks noGrp="1" noRot="1" noChangeAspect="1" noMove="1" noResize="1" noEditPoints="1" noAdjustHandles="1" noChangeArrowheads="1" noChangeShapeType="1" noTextEdit="1"/>
+          </p:cNvSpPr>
+          <p:nvPr>
+            <p:extLst>
+              <p:ext uri="{386F3935-93C4-4BCD-93E2-E3B085C9AB24}">
+                <p16:designElem xmlns:p16="http://schemas.microsoft.com/office/powerpoint/2015/main" val="1"/>
+              </p:ext>
+            </p:extLst>
+          </p:nvPr>
+        </p:nvSpPr>
+        <p:spPr>
+          <a:xfrm>
+            <a:off x="1" y="1690688"/>
+            <a:ext cx="8958061" cy="5167312"/>
+          </a:xfrm>
+          <a:custGeom>
+            <a:avLst/>
+            <a:gdLst>
+              <a:gd name="connsiteX0" fmla="*/ 0 w 8958061"/>
+              <a:gd name="connsiteY0" fmla="*/ 0 h 5167312"/>
+              <a:gd name="connsiteX1" fmla="*/ 7885684 w 8958061"/>
+              <a:gd name="connsiteY1" fmla="*/ 0 h 5167312"/>
+              <a:gd name="connsiteX2" fmla="*/ 7884964 w 8958061"/>
+              <a:gd name="connsiteY2" fmla="*/ 952 h 5167312"/>
+              <a:gd name="connsiteX3" fmla="*/ 8958061 w 8958061"/>
+              <a:gd name="connsiteY3" fmla="*/ 952 h 5167312"/>
+              <a:gd name="connsiteX4" fmla="*/ 6564182 w 8958061"/>
+              <a:gd name="connsiteY4" fmla="*/ 5167312 h 5167312"/>
+              <a:gd name="connsiteX5" fmla="*/ 3026607 w 8958061"/>
+              <a:gd name="connsiteY5" fmla="*/ 5167312 h 5167312"/>
+              <a:gd name="connsiteX6" fmla="*/ 3026607 w 8958061"/>
+              <a:gd name="connsiteY6" fmla="*/ 5166360 h 5167312"/>
+              <a:gd name="connsiteX7" fmla="*/ 0 w 8958061"/>
+              <a:gd name="connsiteY7" fmla="*/ 5166360 h 5167312"/>
+            </a:gdLst>
+            <a:ahLst/>
+            <a:cxnLst>
+              <a:cxn ang="0">
+                <a:pos x="connsiteX0" y="connsiteY0"/>
+              </a:cxn>
+              <a:cxn ang="0">
+                <a:pos x="connsiteX1" y="connsiteY1"/>
+              </a:cxn>
+              <a:cxn ang="0">
+                <a:pos x="connsiteX2" y="connsiteY2"/>
+              </a:cxn>
+              <a:cxn ang="0">
+                <a:pos x="connsiteX3" y="connsiteY3"/>
+              </a:cxn>
+              <a:cxn ang="0">
+                <a:pos x="connsiteX4" y="connsiteY4"/>
+              </a:cxn>
+              <a:cxn ang="0">
+                <a:pos x="connsiteX5" y="connsiteY5"/>
+              </a:cxn>
+              <a:cxn ang="0">
+                <a:pos x="connsiteX6" y="connsiteY6"/>
+              </a:cxn>
+              <a:cxn ang="0">
+                <a:pos x="connsiteX7" y="connsiteY7"/>
+              </a:cxn>
+            </a:cxnLst>
+            <a:rect l="l" t="t" r="r" b="b"/>
+            <a:pathLst>
+              <a:path w="8958061" h="5167312">
+                <a:moveTo>
+                  <a:pt x="0" y="0"/>
+                </a:moveTo>
+                <a:lnTo>
+                  <a:pt x="7885684" y="0"/>
+                </a:lnTo>
+                <a:lnTo>
+                  <a:pt x="7884964" y="952"/>
+                </a:lnTo>
+                <a:lnTo>
+                  <a:pt x="8958061" y="952"/>
+                </a:lnTo>
+                <a:lnTo>
+                  <a:pt x="6564182" y="5167312"/>
+                </a:lnTo>
+                <a:lnTo>
+                  <a:pt x="3026607" y="5167312"/>
+                </a:lnTo>
+                <a:lnTo>
+                  <a:pt x="3026607" y="5166360"/>
+                </a:lnTo>
+                <a:lnTo>
+                  <a:pt x="0" y="5166360"/>
+                </a:lnTo>
+                <a:close/>
+              </a:path>
+            </a:pathLst>
+          </a:custGeom>
+          <a:solidFill>
+            <a:srgbClr val="303030"/>
+          </a:solidFill>
+          <a:ln>
+            <a:noFill/>
+          </a:ln>
+        </p:spPr>
+        <p:style>
+          <a:lnRef idx="2">
+            <a:schemeClr val="accent1">
+              <a:shade val="50000"/>
+            </a:schemeClr>
+          </a:lnRef>
+          <a:fillRef idx="1">
+            <a:schemeClr val="accent1"/>
+          </a:fillRef>
+          <a:effectRef idx="0">
+            <a:schemeClr val="accent1"/>
+          </a:effectRef>
+          <a:fontRef idx="minor">
+            <a:schemeClr val="lt1"/>
+          </a:fontRef>
+        </p:style>
+        <p:txBody>
+          <a:bodyPr wrap="square" rtlCol="0" anchor="ctr">
+            <a:noAutofit/>
+          </a:bodyPr>
+          <a:lstStyle/>
+          <a:p>
+            <a:pPr algn="ctr"/>
+            <a:endParaRPr lang="en-US"/>
+          </a:p>
+        </p:txBody>
+      </p:sp>
+      <p:sp>
+        <p:nvSpPr>
+          <p:cNvPr id="2" name="Titre 1">
+            <a:extLst>
+              <a:ext uri="{FF2B5EF4-FFF2-40B4-BE49-F238E27FC236}">
+                <a16:creationId xmlns:a16="http://schemas.microsoft.com/office/drawing/2014/main" id="{AC99A564-F5AA-4D5C-9B59-AA4E3B7AD924}"/>
+              </a:ext>
+            </a:extLst>
+          </p:cNvPr>
+          <p:cNvSpPr>
+            <a:spLocks noGrp="1"/>
+          </p:cNvSpPr>
+          <p:nvPr>
+            <p:ph type="title"/>
+          </p:nvPr>
+        </p:nvSpPr>
+        <p:spPr>
+          <a:xfrm>
+            <a:off x="841248" y="365759"/>
+            <a:ext cx="7769352" cy="1325880"/>
+          </a:xfrm>
+        </p:spPr>
+        <p:txBody>
+          <a:bodyPr anchor="ctr">
+            <a:normAutofit/>
+          </a:bodyPr>
+          <a:lstStyle/>
+          <a:p>
+            <a:pPr algn="ctr"/>
+            <a:r>
+              <a:rPr lang="fr-FR" dirty="0">
+                <a:solidFill>
+                  <a:schemeClr val="bg1"/>
+                </a:solidFill>
+                <a:latin typeface="Algerian" panose="04020705040A02060702" pitchFamily="82" charset="0"/>
+              </a:rPr>
+              <a:t>4. POINTS A AMELIORER </a:t>
+            </a:r>
+          </a:p>
+        </p:txBody>
+      </p:sp>
+      <p:sp>
+        <p:nvSpPr>
+          <p:cNvPr id="75" name="Freeform: Shape 74">
+            <a:extLst>
+              <a:ext uri="{FF2B5EF4-FFF2-40B4-BE49-F238E27FC236}">
+                <a16:creationId xmlns:a16="http://schemas.microsoft.com/office/drawing/2014/main" id="{F4CBD955-7E14-485C-919F-EC1D1B9BC25C}"/>
+              </a:ext>
+              <a:ext uri="{C183D7F6-B498-43B3-948B-1728B52AA6E4}">
+                <adec:decorative xmlns:adec="http://schemas.microsoft.com/office/drawing/2017/decorative" val="1"/>
+              </a:ext>
+            </a:extLst>
+          </p:cNvPr>
+          <p:cNvSpPr>
+            <a:spLocks noGrp="1" noRot="1" noChangeAspect="1" noMove="1" noResize="1" noEditPoints="1" noAdjustHandles="1" noChangeArrowheads="1" noChangeShapeType="1" noTextEdit="1"/>
+          </p:cNvSpPr>
+          <p:nvPr>
+            <p:extLst>
+              <p:ext uri="{386F3935-93C4-4BCD-93E2-E3B085C9AB24}">
+                <p16:designElem xmlns:p16="http://schemas.microsoft.com/office/powerpoint/2015/main" val="1"/>
+              </p:ext>
+            </p:extLst>
+          </p:nvPr>
+        </p:nvSpPr>
+        <p:spPr>
+          <a:xfrm>
+            <a:off x="9205410" y="2"/>
+            <a:ext cx="2986590" cy="1511301"/>
+          </a:xfrm>
+          <a:custGeom>
+            <a:avLst/>
+            <a:gdLst>
+              <a:gd name="connsiteX0" fmla="*/ 697617 w 2986590"/>
+              <a:gd name="connsiteY0" fmla="*/ 0 h 1511301"/>
+              <a:gd name="connsiteX1" fmla="*/ 1096710 w 2986590"/>
+              <a:gd name="connsiteY1" fmla="*/ 0 h 1511301"/>
+              <a:gd name="connsiteX2" fmla="*/ 1191330 w 2986590"/>
+              <a:gd name="connsiteY2" fmla="*/ 0 h 1511301"/>
+              <a:gd name="connsiteX3" fmla="*/ 2986590 w 2986590"/>
+              <a:gd name="connsiteY3" fmla="*/ 0 h 1511301"/>
+              <a:gd name="connsiteX4" fmla="*/ 2986590 w 2986590"/>
+              <a:gd name="connsiteY4" fmla="*/ 1511301 h 1511301"/>
+              <a:gd name="connsiteX5" fmla="*/ 1191330 w 2986590"/>
+              <a:gd name="connsiteY5" fmla="*/ 1511301 h 1511301"/>
+              <a:gd name="connsiteX6" fmla="*/ 399093 w 2986590"/>
+              <a:gd name="connsiteY6" fmla="*/ 1511301 h 1511301"/>
+              <a:gd name="connsiteX7" fmla="*/ 0 w 2986590"/>
+              <a:gd name="connsiteY7" fmla="*/ 1511301 h 1511301"/>
+            </a:gdLst>
+            <a:ahLst/>
+            <a:cxnLst>
+              <a:cxn ang="0">
+                <a:pos x="connsiteX0" y="connsiteY0"/>
+              </a:cxn>
+              <a:cxn ang="0">
+                <a:pos x="connsiteX1" y="connsiteY1"/>
+              </a:cxn>
+              <a:cxn ang="0">
+                <a:pos x="connsiteX2" y="connsiteY2"/>
+              </a:cxn>
+              <a:cxn ang="0">
+                <a:pos x="connsiteX3" y="connsiteY3"/>
+              </a:cxn>
+              <a:cxn ang="0">
+                <a:pos x="connsiteX4" y="connsiteY4"/>
+              </a:cxn>
+              <a:cxn ang="0">
+                <a:pos x="connsiteX5" y="connsiteY5"/>
+              </a:cxn>
+              <a:cxn ang="0">
+                <a:pos x="connsiteX6" y="connsiteY6"/>
+              </a:cxn>
+              <a:cxn ang="0">
+                <a:pos x="connsiteX7" y="connsiteY7"/>
+              </a:cxn>
+            </a:cxnLst>
+            <a:rect l="l" t="t" r="r" b="b"/>
+            <a:pathLst>
+              <a:path w="2986590" h="1511301">
+                <a:moveTo>
+                  <a:pt x="697617" y="0"/>
+                </a:moveTo>
+                <a:lnTo>
+                  <a:pt x="1096710" y="0"/>
+                </a:lnTo>
+                <a:lnTo>
+                  <a:pt x="1191330" y="0"/>
+                </a:lnTo>
+                <a:lnTo>
+                  <a:pt x="2986590" y="0"/>
+                </a:lnTo>
+                <a:lnTo>
+                  <a:pt x="2986590" y="1511301"/>
+                </a:lnTo>
+                <a:lnTo>
+                  <a:pt x="1191330" y="1511301"/>
+                </a:lnTo>
+                <a:lnTo>
+                  <a:pt x="399093" y="1511301"/>
+                </a:lnTo>
+                <a:lnTo>
+                  <a:pt x="0" y="1511301"/>
+                </a:lnTo>
+                <a:close/>
+              </a:path>
+            </a:pathLst>
+          </a:custGeom>
+          <a:solidFill>
+            <a:schemeClr val="accent4"/>
+          </a:solidFill>
+          <a:ln>
+            <a:noFill/>
+          </a:ln>
+        </p:spPr>
+        <p:style>
+          <a:lnRef idx="2">
+            <a:schemeClr val="accent1">
+              <a:shade val="50000"/>
+            </a:schemeClr>
+          </a:lnRef>
+          <a:fillRef idx="1">
+            <a:schemeClr val="accent1"/>
+          </a:fillRef>
+          <a:effectRef idx="0">
+            <a:schemeClr val="accent1"/>
+          </a:effectRef>
+          <a:fontRef idx="minor">
+            <a:schemeClr val="lt1"/>
+          </a:fontRef>
+        </p:style>
+        <p:txBody>
+          <a:bodyPr wrap="square" rtlCol="0" anchor="ctr">
+            <a:noAutofit/>
+          </a:bodyPr>
+          <a:lstStyle/>
+          <a:p>
+            <a:pPr algn="ctr"/>
+            <a:endParaRPr lang="en-US"/>
+          </a:p>
+        </p:txBody>
+      </p:sp>
+      <p:sp>
+        <p:nvSpPr>
+          <p:cNvPr id="10" name="ZoneTexte 9">
+            <a:extLst>
+              <a:ext uri="{FF2B5EF4-FFF2-40B4-BE49-F238E27FC236}">
+                <a16:creationId xmlns:a16="http://schemas.microsoft.com/office/drawing/2014/main" id="{474D1212-5434-449B-8237-97DCD502427C}"/>
               </a:ext>
             </a:extLst>
           </p:cNvPr>
@@ -6326,8 +6993,8 @@
         </p:nvSpPr>
         <p:spPr>
           <a:xfrm>
-            <a:off x="289249" y="1810139"/>
-            <a:ext cx="7399175" cy="2031325"/>
+            <a:off x="9982899" y="182034"/>
+            <a:ext cx="2030136" cy="1200329"/>
           </a:xfrm>
           <a:prstGeom prst="rect">
             <a:avLst/>
@@ -6341,45 +7008,24 @@
           <a:lstStyle/>
           <a:p>
             <a:r>
-              <a:rPr lang="fr-FR" dirty="0"/>
-              <a:t>LES POINTS NEGATIFS :</a:t>
-            </a:r>
-          </a:p>
-          <a:p>
-            <a:endParaRPr lang="fr-FR" dirty="0"/>
-          </a:p>
-          <a:p>
-            <a:r>
-              <a:rPr lang="fr-FR" dirty="0"/>
-              <a:t>-Travail fastidieux</a:t>
-            </a:r>
-          </a:p>
-          <a:p>
-            <a:endParaRPr lang="fr-FR" dirty="0"/>
-          </a:p>
-          <a:p>
-            <a:r>
-              <a:rPr lang="fr-FR" dirty="0"/>
-              <a:t>-Des erreurs lors de la répartition des tâches</a:t>
-            </a:r>
-          </a:p>
-          <a:p>
-            <a:endParaRPr lang="fr-FR" dirty="0"/>
-          </a:p>
-          <a:p>
-            <a:r>
-              <a:rPr lang="fr-FR" dirty="0"/>
-              <a:t>-Un projet abandonné, puis un deuxième, un troisième fait en 2 semaines.</a:t>
-            </a:r>
-          </a:p>
-        </p:txBody>
-      </p:sp>
-      <p:sp>
-        <p:nvSpPr>
-          <p:cNvPr id="4" name="ZoneTexte 3">
-            <a:extLst>
-              <a:ext uri="{FF2B5EF4-FFF2-40B4-BE49-F238E27FC236}">
-                <a16:creationId xmlns:a16="http://schemas.microsoft.com/office/drawing/2014/main" id="{E3480946-1735-429E-9696-809734B7CD29}"/>
+              <a:rPr lang="fr-FR" sz="3600" dirty="0"/>
+              <a:t>Pétanque </a:t>
+            </a:r>
+          </a:p>
+          <a:p>
+            <a:r>
+              <a:rPr lang="fr-FR" sz="3600" dirty="0"/>
+              <a:t>Shooter</a:t>
+            </a:r>
+          </a:p>
+        </p:txBody>
+      </p:sp>
+      <p:sp>
+        <p:nvSpPr>
+          <p:cNvPr id="3" name="ZoneTexte 2">
+            <a:extLst>
+              <a:ext uri="{FF2B5EF4-FFF2-40B4-BE49-F238E27FC236}">
+                <a16:creationId xmlns:a16="http://schemas.microsoft.com/office/drawing/2014/main" id="{420CA6FA-BC4D-4013-8CA2-148EF45F499B}"/>
               </a:ext>
             </a:extLst>
           </p:cNvPr>
@@ -6388,8 +7034,8 @@
         </p:nvSpPr>
         <p:spPr>
           <a:xfrm>
-            <a:off x="289249" y="3918857"/>
-            <a:ext cx="6439478" cy="1477328"/>
+            <a:off x="668937" y="2057398"/>
+            <a:ext cx="2219059" cy="4524315"/>
           </a:xfrm>
           <a:prstGeom prst="rect">
             <a:avLst/>
@@ -6404,6 +7050,1488 @@
           <a:p>
             <a:r>
               <a:rPr lang="fr-FR" dirty="0"/>
+              <a:t>Nous pouvons rendre le front du site plus beau. (plus de </a:t>
+            </a:r>
+            <a:r>
+              <a:rPr lang="fr-FR" dirty="0" err="1"/>
+              <a:t>css</a:t>
+            </a:r>
+            <a:r>
+              <a:rPr lang="fr-FR" dirty="0"/>
+              <a:t>,  </a:t>
+            </a:r>
+            <a:r>
+              <a:rPr lang="fr-FR" dirty="0" err="1"/>
+              <a:t>etc</a:t>
+            </a:r>
+            <a:r>
+              <a:rPr lang="fr-FR" dirty="0"/>
+              <a:t>)</a:t>
+            </a:r>
+          </a:p>
+          <a:p>
+            <a:endParaRPr lang="fr-FR" dirty="0"/>
+          </a:p>
+          <a:p>
+            <a:r>
+              <a:rPr lang="fr-FR" dirty="0"/>
+              <a:t>Ajouter le fait de tirer, (en cours lors de la présentation du projet)</a:t>
+            </a:r>
+          </a:p>
+          <a:p>
+            <a:endParaRPr lang="fr-FR" dirty="0"/>
+          </a:p>
+          <a:p>
+            <a:r>
+              <a:rPr lang="fr-FR" dirty="0"/>
+              <a:t>Changer la page d’affichage « défaite » (ne pas forcement mettre une pop-up)</a:t>
+            </a:r>
+          </a:p>
+          <a:p>
+            <a:endParaRPr lang="fr-FR" dirty="0"/>
+          </a:p>
+        </p:txBody>
+      </p:sp>
+      <p:cxnSp>
+        <p:nvCxnSpPr>
+          <p:cNvPr id="6" name="Connecteur droit 5">
+            <a:extLst>
+              <a:ext uri="{FF2B5EF4-FFF2-40B4-BE49-F238E27FC236}">
+                <a16:creationId xmlns:a16="http://schemas.microsoft.com/office/drawing/2014/main" id="{B6268467-18EC-4A1D-A74A-FEA7D9240A0E}"/>
+              </a:ext>
+            </a:extLst>
+          </p:cNvPr>
+          <p:cNvCxnSpPr/>
+          <p:nvPr/>
+        </p:nvCxnSpPr>
+        <p:spPr>
+          <a:xfrm>
+            <a:off x="3556932" y="1690688"/>
+            <a:ext cx="0" cy="5167312"/>
+          </a:xfrm>
+          <a:prstGeom prst="line">
+            <a:avLst/>
+          </a:prstGeom>
+        </p:spPr>
+        <p:style>
+          <a:lnRef idx="1">
+            <a:schemeClr val="accent2"/>
+          </a:lnRef>
+          <a:fillRef idx="0">
+            <a:schemeClr val="accent2"/>
+          </a:fillRef>
+          <a:effectRef idx="0">
+            <a:schemeClr val="accent2"/>
+          </a:effectRef>
+          <a:fontRef idx="minor">
+            <a:schemeClr val="tx1"/>
+          </a:fontRef>
+        </p:style>
+      </p:cxnSp>
+      <p:sp>
+        <p:nvSpPr>
+          <p:cNvPr id="7" name="ZoneTexte 6">
+            <a:extLst>
+              <a:ext uri="{FF2B5EF4-FFF2-40B4-BE49-F238E27FC236}">
+                <a16:creationId xmlns:a16="http://schemas.microsoft.com/office/drawing/2014/main" id="{123589F8-86A3-411D-8E6D-BF076067E9E4}"/>
+              </a:ext>
+            </a:extLst>
+          </p:cNvPr>
+          <p:cNvSpPr txBox="1"/>
+          <p:nvPr/>
+        </p:nvSpPr>
+        <p:spPr>
+          <a:xfrm>
+            <a:off x="3758268" y="1929468"/>
+            <a:ext cx="2970456" cy="3693319"/>
+          </a:xfrm>
+          <a:prstGeom prst="rect">
+            <a:avLst/>
+          </a:prstGeom>
+          <a:noFill/>
+        </p:spPr>
+        <p:txBody>
+          <a:bodyPr wrap="square" rtlCol="0">
+            <a:spAutoFit/>
+          </a:bodyPr>
+          <a:lstStyle/>
+          <a:p>
+            <a:r>
+              <a:rPr lang="fr-FR" dirty="0"/>
+              <a:t>Mettre un bloc de couleur différente;</a:t>
+            </a:r>
+          </a:p>
+          <a:p>
+            <a:endParaRPr lang="fr-FR" dirty="0"/>
+          </a:p>
+          <a:p>
+            <a:r>
+              <a:rPr lang="fr-FR" dirty="0"/>
+              <a:t>Mettre une fonction </a:t>
+            </a:r>
+            <a:r>
+              <a:rPr lang="fr-FR" dirty="0" err="1"/>
+              <a:t>MathRandom</a:t>
+            </a:r>
+            <a:r>
+              <a:rPr lang="fr-FR" dirty="0"/>
+              <a:t> pour que le bloc de couleur soit à différents endroits à chaque partie.</a:t>
+            </a:r>
+          </a:p>
+          <a:p>
+            <a:endParaRPr lang="fr-FR" dirty="0"/>
+          </a:p>
+          <a:p>
+            <a:r>
+              <a:rPr lang="fr-FR" dirty="0"/>
+              <a:t>Changer la structure du « </a:t>
+            </a:r>
+            <a:r>
+              <a:rPr lang="fr-FR" dirty="0" err="1"/>
+              <a:t>brickshooter</a:t>
+            </a:r>
+            <a:r>
+              <a:rPr lang="fr-FR" dirty="0"/>
+              <a:t> » en le faisant en type circulaire (voir diapo suivante)</a:t>
+            </a:r>
+          </a:p>
+        </p:txBody>
+      </p:sp>
+    </p:spTree>
+    <p:extLst>
+      <p:ext uri="{BB962C8B-B14F-4D97-AF65-F5344CB8AC3E}">
+        <p14:creationId xmlns:p14="http://schemas.microsoft.com/office/powerpoint/2010/main" val="2078086347"/>
+      </p:ext>
+    </p:extLst>
+  </p:cSld>
+  <p:clrMapOvr>
+    <a:overrideClrMapping bg1="dk1" tx1="lt1" bg2="dk2" tx2="lt2" accent1="accent1" accent2="accent2" accent3="accent3" accent4="accent4" accent5="accent5" accent6="accent6" hlink="hlink" folHlink="folHlink"/>
+  </p:clrMapOvr>
+</p:sld>
+</file>
+
+<file path=ppt/slides/slide15.xml><?xml version="1.0" encoding="utf-8"?>
+<p:sld xmlns:a="http://schemas.openxmlformats.org/drawingml/2006/main" xmlns:r="http://schemas.openxmlformats.org/officeDocument/2006/relationships" xmlns:p="http://schemas.openxmlformats.org/presentationml/2006/main">
+  <p:cSld>
+    <p:bg>
+      <p:bgPr>
+        <a:solidFill>
+          <a:schemeClr val="bg1"/>
+        </a:solidFill>
+        <a:effectLst/>
+      </p:bgPr>
+    </p:bg>
+    <p:spTree>
+      <p:nvGrpSpPr>
+        <p:cNvPr id="1" name=""/>
+        <p:cNvGrpSpPr/>
+        <p:nvPr/>
+      </p:nvGrpSpPr>
+      <p:grpSpPr>
+        <a:xfrm>
+          <a:off x="0" y="0"/>
+          <a:ext cx="0" cy="0"/>
+          <a:chOff x="0" y="0"/>
+          <a:chExt cx="0" cy="0"/>
+        </a:xfrm>
+      </p:grpSpPr>
+      <p:sp>
+        <p:nvSpPr>
+          <p:cNvPr id="71" name="Rectangle 70">
+            <a:extLst>
+              <a:ext uri="{FF2B5EF4-FFF2-40B4-BE49-F238E27FC236}">
+                <a16:creationId xmlns:a16="http://schemas.microsoft.com/office/drawing/2014/main" id="{6EBF06A5-4173-45DE-87B1-0791E098A374}"/>
+              </a:ext>
+              <a:ext uri="{C183D7F6-B498-43B3-948B-1728B52AA6E4}">
+                <adec:decorative xmlns:adec="http://schemas.microsoft.com/office/drawing/2017/decorative" val="1"/>
+              </a:ext>
+            </a:extLst>
+          </p:cNvPr>
+          <p:cNvSpPr>
+            <a:spLocks noGrp="1" noRot="1" noChangeAspect="1" noMove="1" noResize="1" noEditPoints="1" noAdjustHandles="1" noChangeArrowheads="1" noChangeShapeType="1" noTextEdit="1"/>
+          </p:cNvSpPr>
+          <p:nvPr>
+            <p:extLst>
+              <p:ext uri="{386F3935-93C4-4BCD-93E2-E3B085C9AB24}">
+                <p16:designElem xmlns:p16="http://schemas.microsoft.com/office/powerpoint/2015/main" val="1"/>
+              </p:ext>
+            </p:extLst>
+          </p:nvPr>
+        </p:nvSpPr>
+        <p:spPr>
+          <a:xfrm>
+            <a:off x="0" y="0"/>
+            <a:ext cx="12192000" cy="6858000"/>
+          </a:xfrm>
+          <a:prstGeom prst="rect">
+            <a:avLst/>
+          </a:prstGeom>
+          <a:solidFill>
+            <a:srgbClr val="FFFFFF"/>
+          </a:solidFill>
+          <a:ln>
+            <a:noFill/>
+          </a:ln>
+        </p:spPr>
+        <p:style>
+          <a:lnRef idx="2">
+            <a:schemeClr val="accent1">
+              <a:shade val="50000"/>
+            </a:schemeClr>
+          </a:lnRef>
+          <a:fillRef idx="1">
+            <a:schemeClr val="accent1"/>
+          </a:fillRef>
+          <a:effectRef idx="0">
+            <a:schemeClr val="accent1"/>
+          </a:effectRef>
+          <a:fontRef idx="minor">
+            <a:schemeClr val="lt1"/>
+          </a:fontRef>
+        </p:style>
+        <p:txBody>
+          <a:bodyPr rtlCol="0" anchor="ctr"/>
+          <a:lstStyle/>
+          <a:p>
+            <a:pPr algn="ctr"/>
+            <a:endParaRPr lang="en-US"/>
+          </a:p>
+        </p:txBody>
+      </p:sp>
+      <p:pic>
+        <p:nvPicPr>
+          <p:cNvPr id="2050" name="Picture 2" descr="Résultat de recherche d'images pour &quot;pétanque&quot;">
+            <a:extLst>
+              <a:ext uri="{FF2B5EF4-FFF2-40B4-BE49-F238E27FC236}">
+                <a16:creationId xmlns:a16="http://schemas.microsoft.com/office/drawing/2014/main" id="{ED1DA65D-A797-4792-9B35-414C5152905E}"/>
+              </a:ext>
+            </a:extLst>
+          </p:cNvPr>
+          <p:cNvPicPr>
+            <a:picLocks noChangeAspect="1" noChangeArrowheads="1"/>
+          </p:cNvPicPr>
+          <p:nvPr/>
+        </p:nvPicPr>
+        <p:blipFill rotWithShape="1">
+          <a:blip r:embed="rId2">
+            <a:extLst>
+              <a:ext uri="{28A0092B-C50C-407E-A947-70E740481C1C}">
+                <a14:useLocalDpi xmlns:a14="http://schemas.microsoft.com/office/drawing/2010/main" val="0"/>
+              </a:ext>
+            </a:extLst>
+          </a:blip>
+          <a:srcRect l="10322" r="19960" b="1"/>
+          <a:stretch/>
+        </p:blipFill>
+        <p:spPr bwMode="auto">
+          <a:xfrm>
+            <a:off x="6728728" y="1690688"/>
+            <a:ext cx="5463273" cy="5167312"/>
+          </a:xfrm>
+          <a:custGeom>
+            <a:avLst/>
+            <a:gdLst>
+              <a:gd name="connsiteX0" fmla="*/ 2391664 w 5463273"/>
+              <a:gd name="connsiteY0" fmla="*/ 0 h 5167312"/>
+              <a:gd name="connsiteX1" fmla="*/ 2729598 w 5463273"/>
+              <a:gd name="connsiteY1" fmla="*/ 0 h 5167312"/>
+              <a:gd name="connsiteX2" fmla="*/ 3668014 w 5463273"/>
+              <a:gd name="connsiteY2" fmla="*/ 0 h 5167312"/>
+              <a:gd name="connsiteX3" fmla="*/ 5463273 w 5463273"/>
+              <a:gd name="connsiteY3" fmla="*/ 0 h 5167312"/>
+              <a:gd name="connsiteX4" fmla="*/ 5463273 w 5463273"/>
+              <a:gd name="connsiteY4" fmla="*/ 5167310 h 5167312"/>
+              <a:gd name="connsiteX5" fmla="*/ 3668014 w 5463273"/>
+              <a:gd name="connsiteY5" fmla="*/ 5167310 h 5167312"/>
+              <a:gd name="connsiteX6" fmla="*/ 3668014 w 5463273"/>
+              <a:gd name="connsiteY6" fmla="*/ 5167312 h 5167312"/>
+              <a:gd name="connsiteX7" fmla="*/ 0 w 5463273"/>
+              <a:gd name="connsiteY7" fmla="*/ 5167312 h 5167312"/>
+              <a:gd name="connsiteX8" fmla="*/ 2393879 w 5463273"/>
+              <a:gd name="connsiteY8" fmla="*/ 952 h 5167312"/>
+              <a:gd name="connsiteX9" fmla="*/ 2391664 w 5463273"/>
+              <a:gd name="connsiteY9" fmla="*/ 952 h 5167312"/>
+            </a:gdLst>
+            <a:ahLst/>
+            <a:cxnLst>
+              <a:cxn ang="0">
+                <a:pos x="connsiteX0" y="connsiteY0"/>
+              </a:cxn>
+              <a:cxn ang="0">
+                <a:pos x="connsiteX1" y="connsiteY1"/>
+              </a:cxn>
+              <a:cxn ang="0">
+                <a:pos x="connsiteX2" y="connsiteY2"/>
+              </a:cxn>
+              <a:cxn ang="0">
+                <a:pos x="connsiteX3" y="connsiteY3"/>
+              </a:cxn>
+              <a:cxn ang="0">
+                <a:pos x="connsiteX4" y="connsiteY4"/>
+              </a:cxn>
+              <a:cxn ang="0">
+                <a:pos x="connsiteX5" y="connsiteY5"/>
+              </a:cxn>
+              <a:cxn ang="0">
+                <a:pos x="connsiteX6" y="connsiteY6"/>
+              </a:cxn>
+              <a:cxn ang="0">
+                <a:pos x="connsiteX7" y="connsiteY7"/>
+              </a:cxn>
+              <a:cxn ang="0">
+                <a:pos x="connsiteX8" y="connsiteY8"/>
+              </a:cxn>
+              <a:cxn ang="0">
+                <a:pos x="connsiteX9" y="connsiteY9"/>
+              </a:cxn>
+            </a:cxnLst>
+            <a:rect l="l" t="t" r="r" b="b"/>
+            <a:pathLst>
+              <a:path w="5463273" h="5167312">
+                <a:moveTo>
+                  <a:pt x="2391664" y="0"/>
+                </a:moveTo>
+                <a:lnTo>
+                  <a:pt x="2729598" y="0"/>
+                </a:lnTo>
+                <a:lnTo>
+                  <a:pt x="3668014" y="0"/>
+                </a:lnTo>
+                <a:lnTo>
+                  <a:pt x="5463273" y="0"/>
+                </a:lnTo>
+                <a:lnTo>
+                  <a:pt x="5463273" y="5167310"/>
+                </a:lnTo>
+                <a:lnTo>
+                  <a:pt x="3668014" y="5167310"/>
+                </a:lnTo>
+                <a:lnTo>
+                  <a:pt x="3668014" y="5167312"/>
+                </a:lnTo>
+                <a:lnTo>
+                  <a:pt x="0" y="5167312"/>
+                </a:lnTo>
+                <a:lnTo>
+                  <a:pt x="2393879" y="952"/>
+                </a:lnTo>
+                <a:lnTo>
+                  <a:pt x="2391664" y="952"/>
+                </a:lnTo>
+                <a:close/>
+              </a:path>
+            </a:pathLst>
+          </a:custGeom>
+          <a:noFill/>
+          <a:extLst>
+            <a:ext uri="{909E8E84-426E-40DD-AFC4-6F175D3DCCD1}">
+              <a14:hiddenFill xmlns:a14="http://schemas.microsoft.com/office/drawing/2010/main">
+                <a:solidFill>
+                  <a:srgbClr val="FFFFFF"/>
+                </a:solidFill>
+              </a14:hiddenFill>
+            </a:ext>
+          </a:extLst>
+        </p:spPr>
+      </p:pic>
+      <p:sp>
+        <p:nvSpPr>
+          <p:cNvPr id="73" name="Freeform: Shape 72">
+            <a:extLst>
+              <a:ext uri="{FF2B5EF4-FFF2-40B4-BE49-F238E27FC236}">
+                <a16:creationId xmlns:a16="http://schemas.microsoft.com/office/drawing/2014/main" id="{581DAA37-DAFB-47C9-9EE7-11C030BEC838}"/>
+              </a:ext>
+              <a:ext uri="{C183D7F6-B498-43B3-948B-1728B52AA6E4}">
+                <adec:decorative xmlns:adec="http://schemas.microsoft.com/office/drawing/2017/decorative" val="1"/>
+              </a:ext>
+            </a:extLst>
+          </p:cNvPr>
+          <p:cNvSpPr>
+            <a:spLocks noGrp="1" noRot="1" noChangeAspect="1" noMove="1" noResize="1" noEditPoints="1" noAdjustHandles="1" noChangeArrowheads="1" noChangeShapeType="1" noTextEdit="1"/>
+          </p:cNvSpPr>
+          <p:nvPr>
+            <p:extLst>
+              <p:ext uri="{386F3935-93C4-4BCD-93E2-E3B085C9AB24}">
+                <p16:designElem xmlns:p16="http://schemas.microsoft.com/office/powerpoint/2015/main" val="1"/>
+              </p:ext>
+            </p:extLst>
+          </p:nvPr>
+        </p:nvSpPr>
+        <p:spPr>
+          <a:xfrm>
+            <a:off x="1" y="1690688"/>
+            <a:ext cx="8958061" cy="5167312"/>
+          </a:xfrm>
+          <a:custGeom>
+            <a:avLst/>
+            <a:gdLst>
+              <a:gd name="connsiteX0" fmla="*/ 0 w 8958061"/>
+              <a:gd name="connsiteY0" fmla="*/ 0 h 5167312"/>
+              <a:gd name="connsiteX1" fmla="*/ 7885684 w 8958061"/>
+              <a:gd name="connsiteY1" fmla="*/ 0 h 5167312"/>
+              <a:gd name="connsiteX2" fmla="*/ 7884964 w 8958061"/>
+              <a:gd name="connsiteY2" fmla="*/ 952 h 5167312"/>
+              <a:gd name="connsiteX3" fmla="*/ 8958061 w 8958061"/>
+              <a:gd name="connsiteY3" fmla="*/ 952 h 5167312"/>
+              <a:gd name="connsiteX4" fmla="*/ 6564182 w 8958061"/>
+              <a:gd name="connsiteY4" fmla="*/ 5167312 h 5167312"/>
+              <a:gd name="connsiteX5" fmla="*/ 3026607 w 8958061"/>
+              <a:gd name="connsiteY5" fmla="*/ 5167312 h 5167312"/>
+              <a:gd name="connsiteX6" fmla="*/ 3026607 w 8958061"/>
+              <a:gd name="connsiteY6" fmla="*/ 5166360 h 5167312"/>
+              <a:gd name="connsiteX7" fmla="*/ 0 w 8958061"/>
+              <a:gd name="connsiteY7" fmla="*/ 5166360 h 5167312"/>
+            </a:gdLst>
+            <a:ahLst/>
+            <a:cxnLst>
+              <a:cxn ang="0">
+                <a:pos x="connsiteX0" y="connsiteY0"/>
+              </a:cxn>
+              <a:cxn ang="0">
+                <a:pos x="connsiteX1" y="connsiteY1"/>
+              </a:cxn>
+              <a:cxn ang="0">
+                <a:pos x="connsiteX2" y="connsiteY2"/>
+              </a:cxn>
+              <a:cxn ang="0">
+                <a:pos x="connsiteX3" y="connsiteY3"/>
+              </a:cxn>
+              <a:cxn ang="0">
+                <a:pos x="connsiteX4" y="connsiteY4"/>
+              </a:cxn>
+              <a:cxn ang="0">
+                <a:pos x="connsiteX5" y="connsiteY5"/>
+              </a:cxn>
+              <a:cxn ang="0">
+                <a:pos x="connsiteX6" y="connsiteY6"/>
+              </a:cxn>
+              <a:cxn ang="0">
+                <a:pos x="connsiteX7" y="connsiteY7"/>
+              </a:cxn>
+            </a:cxnLst>
+            <a:rect l="l" t="t" r="r" b="b"/>
+            <a:pathLst>
+              <a:path w="8958061" h="5167312">
+                <a:moveTo>
+                  <a:pt x="0" y="0"/>
+                </a:moveTo>
+                <a:lnTo>
+                  <a:pt x="7885684" y="0"/>
+                </a:lnTo>
+                <a:lnTo>
+                  <a:pt x="7884964" y="952"/>
+                </a:lnTo>
+                <a:lnTo>
+                  <a:pt x="8958061" y="952"/>
+                </a:lnTo>
+                <a:lnTo>
+                  <a:pt x="6564182" y="5167312"/>
+                </a:lnTo>
+                <a:lnTo>
+                  <a:pt x="3026607" y="5167312"/>
+                </a:lnTo>
+                <a:lnTo>
+                  <a:pt x="3026607" y="5166360"/>
+                </a:lnTo>
+                <a:lnTo>
+                  <a:pt x="0" y="5166360"/>
+                </a:lnTo>
+                <a:close/>
+              </a:path>
+            </a:pathLst>
+          </a:custGeom>
+          <a:solidFill>
+            <a:srgbClr val="303030"/>
+          </a:solidFill>
+          <a:ln>
+            <a:noFill/>
+          </a:ln>
+        </p:spPr>
+        <p:style>
+          <a:lnRef idx="2">
+            <a:schemeClr val="accent1">
+              <a:shade val="50000"/>
+            </a:schemeClr>
+          </a:lnRef>
+          <a:fillRef idx="1">
+            <a:schemeClr val="accent1"/>
+          </a:fillRef>
+          <a:effectRef idx="0">
+            <a:schemeClr val="accent1"/>
+          </a:effectRef>
+          <a:fontRef idx="minor">
+            <a:schemeClr val="lt1"/>
+          </a:fontRef>
+        </p:style>
+        <p:txBody>
+          <a:bodyPr wrap="square" rtlCol="0" anchor="ctr">
+            <a:noAutofit/>
+          </a:bodyPr>
+          <a:lstStyle/>
+          <a:p>
+            <a:pPr algn="ctr"/>
+            <a:endParaRPr lang="en-US"/>
+          </a:p>
+        </p:txBody>
+      </p:sp>
+      <p:sp>
+        <p:nvSpPr>
+          <p:cNvPr id="2" name="Titre 1">
+            <a:extLst>
+              <a:ext uri="{FF2B5EF4-FFF2-40B4-BE49-F238E27FC236}">
+                <a16:creationId xmlns:a16="http://schemas.microsoft.com/office/drawing/2014/main" id="{AC99A564-F5AA-4D5C-9B59-AA4E3B7AD924}"/>
+              </a:ext>
+            </a:extLst>
+          </p:cNvPr>
+          <p:cNvSpPr>
+            <a:spLocks noGrp="1"/>
+          </p:cNvSpPr>
+          <p:nvPr>
+            <p:ph type="title"/>
+          </p:nvPr>
+        </p:nvSpPr>
+        <p:spPr>
+          <a:xfrm>
+            <a:off x="841248" y="365759"/>
+            <a:ext cx="7769352" cy="1325880"/>
+          </a:xfrm>
+        </p:spPr>
+        <p:txBody>
+          <a:bodyPr anchor="ctr">
+            <a:normAutofit/>
+          </a:bodyPr>
+          <a:lstStyle/>
+          <a:p>
+            <a:pPr algn="ctr"/>
+            <a:r>
+              <a:rPr lang="fr-FR" dirty="0">
+                <a:solidFill>
+                  <a:schemeClr val="bg1"/>
+                </a:solidFill>
+                <a:latin typeface="Algerian" panose="04020705040A02060702" pitchFamily="82" charset="0"/>
+              </a:rPr>
+              <a:t>4. POINTS A AMELIORER </a:t>
+            </a:r>
+          </a:p>
+        </p:txBody>
+      </p:sp>
+      <p:sp>
+        <p:nvSpPr>
+          <p:cNvPr id="75" name="Freeform: Shape 74">
+            <a:extLst>
+              <a:ext uri="{FF2B5EF4-FFF2-40B4-BE49-F238E27FC236}">
+                <a16:creationId xmlns:a16="http://schemas.microsoft.com/office/drawing/2014/main" id="{F4CBD955-7E14-485C-919F-EC1D1B9BC25C}"/>
+              </a:ext>
+              <a:ext uri="{C183D7F6-B498-43B3-948B-1728B52AA6E4}">
+                <adec:decorative xmlns:adec="http://schemas.microsoft.com/office/drawing/2017/decorative" val="1"/>
+              </a:ext>
+            </a:extLst>
+          </p:cNvPr>
+          <p:cNvSpPr>
+            <a:spLocks noGrp="1" noRot="1" noChangeAspect="1" noMove="1" noResize="1" noEditPoints="1" noAdjustHandles="1" noChangeArrowheads="1" noChangeShapeType="1" noTextEdit="1"/>
+          </p:cNvSpPr>
+          <p:nvPr>
+            <p:extLst>
+              <p:ext uri="{386F3935-93C4-4BCD-93E2-E3B085C9AB24}">
+                <p16:designElem xmlns:p16="http://schemas.microsoft.com/office/powerpoint/2015/main" val="1"/>
+              </p:ext>
+            </p:extLst>
+          </p:nvPr>
+        </p:nvSpPr>
+        <p:spPr>
+          <a:xfrm>
+            <a:off x="9205410" y="2"/>
+            <a:ext cx="2986590" cy="1511301"/>
+          </a:xfrm>
+          <a:custGeom>
+            <a:avLst/>
+            <a:gdLst>
+              <a:gd name="connsiteX0" fmla="*/ 697617 w 2986590"/>
+              <a:gd name="connsiteY0" fmla="*/ 0 h 1511301"/>
+              <a:gd name="connsiteX1" fmla="*/ 1096710 w 2986590"/>
+              <a:gd name="connsiteY1" fmla="*/ 0 h 1511301"/>
+              <a:gd name="connsiteX2" fmla="*/ 1191330 w 2986590"/>
+              <a:gd name="connsiteY2" fmla="*/ 0 h 1511301"/>
+              <a:gd name="connsiteX3" fmla="*/ 2986590 w 2986590"/>
+              <a:gd name="connsiteY3" fmla="*/ 0 h 1511301"/>
+              <a:gd name="connsiteX4" fmla="*/ 2986590 w 2986590"/>
+              <a:gd name="connsiteY4" fmla="*/ 1511301 h 1511301"/>
+              <a:gd name="connsiteX5" fmla="*/ 1191330 w 2986590"/>
+              <a:gd name="connsiteY5" fmla="*/ 1511301 h 1511301"/>
+              <a:gd name="connsiteX6" fmla="*/ 399093 w 2986590"/>
+              <a:gd name="connsiteY6" fmla="*/ 1511301 h 1511301"/>
+              <a:gd name="connsiteX7" fmla="*/ 0 w 2986590"/>
+              <a:gd name="connsiteY7" fmla="*/ 1511301 h 1511301"/>
+            </a:gdLst>
+            <a:ahLst/>
+            <a:cxnLst>
+              <a:cxn ang="0">
+                <a:pos x="connsiteX0" y="connsiteY0"/>
+              </a:cxn>
+              <a:cxn ang="0">
+                <a:pos x="connsiteX1" y="connsiteY1"/>
+              </a:cxn>
+              <a:cxn ang="0">
+                <a:pos x="connsiteX2" y="connsiteY2"/>
+              </a:cxn>
+              <a:cxn ang="0">
+                <a:pos x="connsiteX3" y="connsiteY3"/>
+              </a:cxn>
+              <a:cxn ang="0">
+                <a:pos x="connsiteX4" y="connsiteY4"/>
+              </a:cxn>
+              <a:cxn ang="0">
+                <a:pos x="connsiteX5" y="connsiteY5"/>
+              </a:cxn>
+              <a:cxn ang="0">
+                <a:pos x="connsiteX6" y="connsiteY6"/>
+              </a:cxn>
+              <a:cxn ang="0">
+                <a:pos x="connsiteX7" y="connsiteY7"/>
+              </a:cxn>
+            </a:cxnLst>
+            <a:rect l="l" t="t" r="r" b="b"/>
+            <a:pathLst>
+              <a:path w="2986590" h="1511301">
+                <a:moveTo>
+                  <a:pt x="697617" y="0"/>
+                </a:moveTo>
+                <a:lnTo>
+                  <a:pt x="1096710" y="0"/>
+                </a:lnTo>
+                <a:lnTo>
+                  <a:pt x="1191330" y="0"/>
+                </a:lnTo>
+                <a:lnTo>
+                  <a:pt x="2986590" y="0"/>
+                </a:lnTo>
+                <a:lnTo>
+                  <a:pt x="2986590" y="1511301"/>
+                </a:lnTo>
+                <a:lnTo>
+                  <a:pt x="1191330" y="1511301"/>
+                </a:lnTo>
+                <a:lnTo>
+                  <a:pt x="399093" y="1511301"/>
+                </a:lnTo>
+                <a:lnTo>
+                  <a:pt x="0" y="1511301"/>
+                </a:lnTo>
+                <a:close/>
+              </a:path>
+            </a:pathLst>
+          </a:custGeom>
+          <a:solidFill>
+            <a:schemeClr val="accent4"/>
+          </a:solidFill>
+          <a:ln>
+            <a:noFill/>
+          </a:ln>
+        </p:spPr>
+        <p:style>
+          <a:lnRef idx="2">
+            <a:schemeClr val="accent1">
+              <a:shade val="50000"/>
+            </a:schemeClr>
+          </a:lnRef>
+          <a:fillRef idx="1">
+            <a:schemeClr val="accent1"/>
+          </a:fillRef>
+          <a:effectRef idx="0">
+            <a:schemeClr val="accent1"/>
+          </a:effectRef>
+          <a:fontRef idx="minor">
+            <a:schemeClr val="lt1"/>
+          </a:fontRef>
+        </p:style>
+        <p:txBody>
+          <a:bodyPr wrap="square" rtlCol="0" anchor="ctr">
+            <a:noAutofit/>
+          </a:bodyPr>
+          <a:lstStyle/>
+          <a:p>
+            <a:pPr algn="ctr"/>
+            <a:endParaRPr lang="en-US"/>
+          </a:p>
+        </p:txBody>
+      </p:sp>
+      <p:sp>
+        <p:nvSpPr>
+          <p:cNvPr id="10" name="ZoneTexte 9">
+            <a:extLst>
+              <a:ext uri="{FF2B5EF4-FFF2-40B4-BE49-F238E27FC236}">
+                <a16:creationId xmlns:a16="http://schemas.microsoft.com/office/drawing/2014/main" id="{474D1212-5434-449B-8237-97DCD502427C}"/>
+              </a:ext>
+            </a:extLst>
+          </p:cNvPr>
+          <p:cNvSpPr txBox="1"/>
+          <p:nvPr/>
+        </p:nvSpPr>
+        <p:spPr>
+          <a:xfrm>
+            <a:off x="9982899" y="182034"/>
+            <a:ext cx="2030136" cy="1200329"/>
+          </a:xfrm>
+          <a:prstGeom prst="rect">
+            <a:avLst/>
+          </a:prstGeom>
+          <a:noFill/>
+        </p:spPr>
+        <p:txBody>
+          <a:bodyPr wrap="square" rtlCol="0">
+            <a:spAutoFit/>
+          </a:bodyPr>
+          <a:lstStyle/>
+          <a:p>
+            <a:r>
+              <a:rPr lang="fr-FR" sz="3600" dirty="0"/>
+              <a:t>Pétanque </a:t>
+            </a:r>
+          </a:p>
+          <a:p>
+            <a:r>
+              <a:rPr lang="fr-FR" sz="3600" dirty="0"/>
+              <a:t>Shooter</a:t>
+            </a:r>
+          </a:p>
+        </p:txBody>
+      </p:sp>
+      <p:pic>
+        <p:nvPicPr>
+          <p:cNvPr id="5" name="Image 4">
+            <a:extLst>
+              <a:ext uri="{FF2B5EF4-FFF2-40B4-BE49-F238E27FC236}">
+                <a16:creationId xmlns:a16="http://schemas.microsoft.com/office/drawing/2014/main" id="{932CB9AD-CA6E-4912-819D-773EB475B4E2}"/>
+              </a:ext>
+            </a:extLst>
+          </p:cNvPr>
+          <p:cNvPicPr>
+            <a:picLocks noChangeAspect="1"/>
+          </p:cNvPicPr>
+          <p:nvPr/>
+        </p:nvPicPr>
+        <p:blipFill>
+          <a:blip r:embed="rId3">
+            <a:extLst>
+              <a:ext uri="{28A0092B-C50C-407E-A947-70E740481C1C}">
+                <a14:useLocalDpi xmlns:a14="http://schemas.microsoft.com/office/drawing/2010/main" val="0"/>
+              </a:ext>
+            </a:extLst>
+          </a:blip>
+          <a:stretch>
+            <a:fillRect/>
+          </a:stretch>
+        </p:blipFill>
+        <p:spPr>
+          <a:xfrm>
+            <a:off x="203435" y="2521603"/>
+            <a:ext cx="6702574" cy="3505482"/>
+          </a:xfrm>
+          <a:prstGeom prst="rect">
+            <a:avLst/>
+          </a:prstGeom>
+        </p:spPr>
+      </p:pic>
+    </p:spTree>
+    <p:extLst>
+      <p:ext uri="{BB962C8B-B14F-4D97-AF65-F5344CB8AC3E}">
+        <p14:creationId xmlns:p14="http://schemas.microsoft.com/office/powerpoint/2010/main" val="3610246176"/>
+      </p:ext>
+    </p:extLst>
+  </p:cSld>
+  <p:clrMapOvr>
+    <a:overrideClrMapping bg1="dk1" tx1="lt1" bg2="dk2" tx2="lt2" accent1="accent1" accent2="accent2" accent3="accent3" accent4="accent4" accent5="accent5" accent6="accent6" hlink="hlink" folHlink="folHlink"/>
+  </p:clrMapOvr>
+</p:sld>
+</file>
+
+<file path=ppt/slides/slide16.xml><?xml version="1.0" encoding="utf-8"?>
+<p:sld xmlns:a="http://schemas.openxmlformats.org/drawingml/2006/main" xmlns:r="http://schemas.openxmlformats.org/officeDocument/2006/relationships" xmlns:p="http://schemas.openxmlformats.org/presentationml/2006/main">
+  <p:cSld>
+    <p:bg>
+      <p:bgPr>
+        <a:solidFill>
+          <a:schemeClr val="bg1"/>
+        </a:solidFill>
+        <a:effectLst/>
+      </p:bgPr>
+    </p:bg>
+    <p:spTree>
+      <p:nvGrpSpPr>
+        <p:cNvPr id="1" name=""/>
+        <p:cNvGrpSpPr/>
+        <p:nvPr/>
+      </p:nvGrpSpPr>
+      <p:grpSpPr>
+        <a:xfrm>
+          <a:off x="0" y="0"/>
+          <a:ext cx="0" cy="0"/>
+          <a:chOff x="0" y="0"/>
+          <a:chExt cx="0" cy="0"/>
+        </a:xfrm>
+      </p:grpSpPr>
+      <p:sp>
+        <p:nvSpPr>
+          <p:cNvPr id="71" name="Rectangle 70">
+            <a:extLst>
+              <a:ext uri="{FF2B5EF4-FFF2-40B4-BE49-F238E27FC236}">
+                <a16:creationId xmlns:a16="http://schemas.microsoft.com/office/drawing/2014/main" id="{6EBF06A5-4173-45DE-87B1-0791E098A374}"/>
+              </a:ext>
+              <a:ext uri="{C183D7F6-B498-43B3-948B-1728B52AA6E4}">
+                <adec:decorative xmlns:adec="http://schemas.microsoft.com/office/drawing/2017/decorative" val="1"/>
+              </a:ext>
+            </a:extLst>
+          </p:cNvPr>
+          <p:cNvSpPr>
+            <a:spLocks noGrp="1" noRot="1" noChangeAspect="1" noMove="1" noResize="1" noEditPoints="1" noAdjustHandles="1" noChangeArrowheads="1" noChangeShapeType="1" noTextEdit="1"/>
+          </p:cNvSpPr>
+          <p:nvPr>
+            <p:extLst>
+              <p:ext uri="{386F3935-93C4-4BCD-93E2-E3B085C9AB24}">
+                <p16:designElem xmlns:p16="http://schemas.microsoft.com/office/powerpoint/2015/main" val="1"/>
+              </p:ext>
+            </p:extLst>
+          </p:nvPr>
+        </p:nvSpPr>
+        <p:spPr>
+          <a:xfrm>
+            <a:off x="0" y="0"/>
+            <a:ext cx="12192000" cy="6858000"/>
+          </a:xfrm>
+          <a:prstGeom prst="rect">
+            <a:avLst/>
+          </a:prstGeom>
+          <a:solidFill>
+            <a:srgbClr val="FFFFFF"/>
+          </a:solidFill>
+          <a:ln>
+            <a:noFill/>
+          </a:ln>
+        </p:spPr>
+        <p:style>
+          <a:lnRef idx="2">
+            <a:schemeClr val="accent1">
+              <a:shade val="50000"/>
+            </a:schemeClr>
+          </a:lnRef>
+          <a:fillRef idx="1">
+            <a:schemeClr val="accent1"/>
+          </a:fillRef>
+          <a:effectRef idx="0">
+            <a:schemeClr val="accent1"/>
+          </a:effectRef>
+          <a:fontRef idx="minor">
+            <a:schemeClr val="lt1"/>
+          </a:fontRef>
+        </p:style>
+        <p:txBody>
+          <a:bodyPr rtlCol="0" anchor="ctr"/>
+          <a:lstStyle/>
+          <a:p>
+            <a:pPr algn="ctr"/>
+            <a:endParaRPr lang="en-US"/>
+          </a:p>
+        </p:txBody>
+      </p:sp>
+      <p:pic>
+        <p:nvPicPr>
+          <p:cNvPr id="2050" name="Picture 2" descr="Résultat de recherche d'images pour &quot;pétanque&quot;">
+            <a:extLst>
+              <a:ext uri="{FF2B5EF4-FFF2-40B4-BE49-F238E27FC236}">
+                <a16:creationId xmlns:a16="http://schemas.microsoft.com/office/drawing/2014/main" id="{ED1DA65D-A797-4792-9B35-414C5152905E}"/>
+              </a:ext>
+            </a:extLst>
+          </p:cNvPr>
+          <p:cNvPicPr>
+            <a:picLocks noChangeAspect="1" noChangeArrowheads="1"/>
+          </p:cNvPicPr>
+          <p:nvPr/>
+        </p:nvPicPr>
+        <p:blipFill rotWithShape="1">
+          <a:blip r:embed="rId2">
+            <a:extLst>
+              <a:ext uri="{28A0092B-C50C-407E-A947-70E740481C1C}">
+                <a14:useLocalDpi xmlns:a14="http://schemas.microsoft.com/office/drawing/2010/main" val="0"/>
+              </a:ext>
+            </a:extLst>
+          </a:blip>
+          <a:srcRect l="10322" r="19960" b="1"/>
+          <a:stretch/>
+        </p:blipFill>
+        <p:spPr bwMode="auto">
+          <a:xfrm>
+            <a:off x="6728728" y="1690688"/>
+            <a:ext cx="5463273" cy="5167312"/>
+          </a:xfrm>
+          <a:custGeom>
+            <a:avLst/>
+            <a:gdLst>
+              <a:gd name="connsiteX0" fmla="*/ 2391664 w 5463273"/>
+              <a:gd name="connsiteY0" fmla="*/ 0 h 5167312"/>
+              <a:gd name="connsiteX1" fmla="*/ 2729598 w 5463273"/>
+              <a:gd name="connsiteY1" fmla="*/ 0 h 5167312"/>
+              <a:gd name="connsiteX2" fmla="*/ 3668014 w 5463273"/>
+              <a:gd name="connsiteY2" fmla="*/ 0 h 5167312"/>
+              <a:gd name="connsiteX3" fmla="*/ 5463273 w 5463273"/>
+              <a:gd name="connsiteY3" fmla="*/ 0 h 5167312"/>
+              <a:gd name="connsiteX4" fmla="*/ 5463273 w 5463273"/>
+              <a:gd name="connsiteY4" fmla="*/ 5167310 h 5167312"/>
+              <a:gd name="connsiteX5" fmla="*/ 3668014 w 5463273"/>
+              <a:gd name="connsiteY5" fmla="*/ 5167310 h 5167312"/>
+              <a:gd name="connsiteX6" fmla="*/ 3668014 w 5463273"/>
+              <a:gd name="connsiteY6" fmla="*/ 5167312 h 5167312"/>
+              <a:gd name="connsiteX7" fmla="*/ 0 w 5463273"/>
+              <a:gd name="connsiteY7" fmla="*/ 5167312 h 5167312"/>
+              <a:gd name="connsiteX8" fmla="*/ 2393879 w 5463273"/>
+              <a:gd name="connsiteY8" fmla="*/ 952 h 5167312"/>
+              <a:gd name="connsiteX9" fmla="*/ 2391664 w 5463273"/>
+              <a:gd name="connsiteY9" fmla="*/ 952 h 5167312"/>
+            </a:gdLst>
+            <a:ahLst/>
+            <a:cxnLst>
+              <a:cxn ang="0">
+                <a:pos x="connsiteX0" y="connsiteY0"/>
+              </a:cxn>
+              <a:cxn ang="0">
+                <a:pos x="connsiteX1" y="connsiteY1"/>
+              </a:cxn>
+              <a:cxn ang="0">
+                <a:pos x="connsiteX2" y="connsiteY2"/>
+              </a:cxn>
+              <a:cxn ang="0">
+                <a:pos x="connsiteX3" y="connsiteY3"/>
+              </a:cxn>
+              <a:cxn ang="0">
+                <a:pos x="connsiteX4" y="connsiteY4"/>
+              </a:cxn>
+              <a:cxn ang="0">
+                <a:pos x="connsiteX5" y="connsiteY5"/>
+              </a:cxn>
+              <a:cxn ang="0">
+                <a:pos x="connsiteX6" y="connsiteY6"/>
+              </a:cxn>
+              <a:cxn ang="0">
+                <a:pos x="connsiteX7" y="connsiteY7"/>
+              </a:cxn>
+              <a:cxn ang="0">
+                <a:pos x="connsiteX8" y="connsiteY8"/>
+              </a:cxn>
+              <a:cxn ang="0">
+                <a:pos x="connsiteX9" y="connsiteY9"/>
+              </a:cxn>
+            </a:cxnLst>
+            <a:rect l="l" t="t" r="r" b="b"/>
+            <a:pathLst>
+              <a:path w="5463273" h="5167312">
+                <a:moveTo>
+                  <a:pt x="2391664" y="0"/>
+                </a:moveTo>
+                <a:lnTo>
+                  <a:pt x="2729598" y="0"/>
+                </a:lnTo>
+                <a:lnTo>
+                  <a:pt x="3668014" y="0"/>
+                </a:lnTo>
+                <a:lnTo>
+                  <a:pt x="5463273" y="0"/>
+                </a:lnTo>
+                <a:lnTo>
+                  <a:pt x="5463273" y="5167310"/>
+                </a:lnTo>
+                <a:lnTo>
+                  <a:pt x="3668014" y="5167310"/>
+                </a:lnTo>
+                <a:lnTo>
+                  <a:pt x="3668014" y="5167312"/>
+                </a:lnTo>
+                <a:lnTo>
+                  <a:pt x="0" y="5167312"/>
+                </a:lnTo>
+                <a:lnTo>
+                  <a:pt x="2393879" y="952"/>
+                </a:lnTo>
+                <a:lnTo>
+                  <a:pt x="2391664" y="952"/>
+                </a:lnTo>
+                <a:close/>
+              </a:path>
+            </a:pathLst>
+          </a:custGeom>
+          <a:noFill/>
+          <a:extLst>
+            <a:ext uri="{909E8E84-426E-40DD-AFC4-6F175D3DCCD1}">
+              <a14:hiddenFill xmlns:a14="http://schemas.microsoft.com/office/drawing/2010/main">
+                <a:solidFill>
+                  <a:srgbClr val="FFFFFF"/>
+                </a:solidFill>
+              </a14:hiddenFill>
+            </a:ext>
+          </a:extLst>
+        </p:spPr>
+      </p:pic>
+      <p:sp>
+        <p:nvSpPr>
+          <p:cNvPr id="73" name="Freeform: Shape 72">
+            <a:extLst>
+              <a:ext uri="{FF2B5EF4-FFF2-40B4-BE49-F238E27FC236}">
+                <a16:creationId xmlns:a16="http://schemas.microsoft.com/office/drawing/2014/main" id="{581DAA37-DAFB-47C9-9EE7-11C030BEC838}"/>
+              </a:ext>
+              <a:ext uri="{C183D7F6-B498-43B3-948B-1728B52AA6E4}">
+                <adec:decorative xmlns:adec="http://schemas.microsoft.com/office/drawing/2017/decorative" val="1"/>
+              </a:ext>
+            </a:extLst>
+          </p:cNvPr>
+          <p:cNvSpPr>
+            <a:spLocks noGrp="1" noRot="1" noChangeAspect="1" noMove="1" noResize="1" noEditPoints="1" noAdjustHandles="1" noChangeArrowheads="1" noChangeShapeType="1" noTextEdit="1"/>
+          </p:cNvSpPr>
+          <p:nvPr>
+            <p:extLst>
+              <p:ext uri="{386F3935-93C4-4BCD-93E2-E3B085C9AB24}">
+                <p16:designElem xmlns:p16="http://schemas.microsoft.com/office/powerpoint/2015/main" val="1"/>
+              </p:ext>
+            </p:extLst>
+          </p:nvPr>
+        </p:nvSpPr>
+        <p:spPr>
+          <a:xfrm>
+            <a:off x="1" y="1690688"/>
+            <a:ext cx="8958061" cy="5167312"/>
+          </a:xfrm>
+          <a:custGeom>
+            <a:avLst/>
+            <a:gdLst>
+              <a:gd name="connsiteX0" fmla="*/ 0 w 8958061"/>
+              <a:gd name="connsiteY0" fmla="*/ 0 h 5167312"/>
+              <a:gd name="connsiteX1" fmla="*/ 7885684 w 8958061"/>
+              <a:gd name="connsiteY1" fmla="*/ 0 h 5167312"/>
+              <a:gd name="connsiteX2" fmla="*/ 7884964 w 8958061"/>
+              <a:gd name="connsiteY2" fmla="*/ 952 h 5167312"/>
+              <a:gd name="connsiteX3" fmla="*/ 8958061 w 8958061"/>
+              <a:gd name="connsiteY3" fmla="*/ 952 h 5167312"/>
+              <a:gd name="connsiteX4" fmla="*/ 6564182 w 8958061"/>
+              <a:gd name="connsiteY4" fmla="*/ 5167312 h 5167312"/>
+              <a:gd name="connsiteX5" fmla="*/ 3026607 w 8958061"/>
+              <a:gd name="connsiteY5" fmla="*/ 5167312 h 5167312"/>
+              <a:gd name="connsiteX6" fmla="*/ 3026607 w 8958061"/>
+              <a:gd name="connsiteY6" fmla="*/ 5166360 h 5167312"/>
+              <a:gd name="connsiteX7" fmla="*/ 0 w 8958061"/>
+              <a:gd name="connsiteY7" fmla="*/ 5166360 h 5167312"/>
+            </a:gdLst>
+            <a:ahLst/>
+            <a:cxnLst>
+              <a:cxn ang="0">
+                <a:pos x="connsiteX0" y="connsiteY0"/>
+              </a:cxn>
+              <a:cxn ang="0">
+                <a:pos x="connsiteX1" y="connsiteY1"/>
+              </a:cxn>
+              <a:cxn ang="0">
+                <a:pos x="connsiteX2" y="connsiteY2"/>
+              </a:cxn>
+              <a:cxn ang="0">
+                <a:pos x="connsiteX3" y="connsiteY3"/>
+              </a:cxn>
+              <a:cxn ang="0">
+                <a:pos x="connsiteX4" y="connsiteY4"/>
+              </a:cxn>
+              <a:cxn ang="0">
+                <a:pos x="connsiteX5" y="connsiteY5"/>
+              </a:cxn>
+              <a:cxn ang="0">
+                <a:pos x="connsiteX6" y="connsiteY6"/>
+              </a:cxn>
+              <a:cxn ang="0">
+                <a:pos x="connsiteX7" y="connsiteY7"/>
+              </a:cxn>
+            </a:cxnLst>
+            <a:rect l="l" t="t" r="r" b="b"/>
+            <a:pathLst>
+              <a:path w="8958061" h="5167312">
+                <a:moveTo>
+                  <a:pt x="0" y="0"/>
+                </a:moveTo>
+                <a:lnTo>
+                  <a:pt x="7885684" y="0"/>
+                </a:lnTo>
+                <a:lnTo>
+                  <a:pt x="7884964" y="952"/>
+                </a:lnTo>
+                <a:lnTo>
+                  <a:pt x="8958061" y="952"/>
+                </a:lnTo>
+                <a:lnTo>
+                  <a:pt x="6564182" y="5167312"/>
+                </a:lnTo>
+                <a:lnTo>
+                  <a:pt x="3026607" y="5167312"/>
+                </a:lnTo>
+                <a:lnTo>
+                  <a:pt x="3026607" y="5166360"/>
+                </a:lnTo>
+                <a:lnTo>
+                  <a:pt x="0" y="5166360"/>
+                </a:lnTo>
+                <a:close/>
+              </a:path>
+            </a:pathLst>
+          </a:custGeom>
+          <a:solidFill>
+            <a:srgbClr val="303030"/>
+          </a:solidFill>
+          <a:ln>
+            <a:noFill/>
+          </a:ln>
+        </p:spPr>
+        <p:style>
+          <a:lnRef idx="2">
+            <a:schemeClr val="accent1">
+              <a:shade val="50000"/>
+            </a:schemeClr>
+          </a:lnRef>
+          <a:fillRef idx="1">
+            <a:schemeClr val="accent1"/>
+          </a:fillRef>
+          <a:effectRef idx="0">
+            <a:schemeClr val="accent1"/>
+          </a:effectRef>
+          <a:fontRef idx="minor">
+            <a:schemeClr val="lt1"/>
+          </a:fontRef>
+        </p:style>
+        <p:txBody>
+          <a:bodyPr wrap="square" rtlCol="0" anchor="ctr">
+            <a:noAutofit/>
+          </a:bodyPr>
+          <a:lstStyle/>
+          <a:p>
+            <a:pPr algn="ctr"/>
+            <a:endParaRPr lang="en-US"/>
+          </a:p>
+        </p:txBody>
+      </p:sp>
+      <p:sp>
+        <p:nvSpPr>
+          <p:cNvPr id="2" name="Titre 1">
+            <a:extLst>
+              <a:ext uri="{FF2B5EF4-FFF2-40B4-BE49-F238E27FC236}">
+                <a16:creationId xmlns:a16="http://schemas.microsoft.com/office/drawing/2014/main" id="{AC99A564-F5AA-4D5C-9B59-AA4E3B7AD924}"/>
+              </a:ext>
+            </a:extLst>
+          </p:cNvPr>
+          <p:cNvSpPr>
+            <a:spLocks noGrp="1"/>
+          </p:cNvSpPr>
+          <p:nvPr>
+            <p:ph type="title"/>
+          </p:nvPr>
+        </p:nvSpPr>
+        <p:spPr>
+          <a:xfrm>
+            <a:off x="841248" y="365759"/>
+            <a:ext cx="7769352" cy="1325880"/>
+          </a:xfrm>
+        </p:spPr>
+        <p:txBody>
+          <a:bodyPr anchor="ctr">
+            <a:normAutofit/>
+          </a:bodyPr>
+          <a:lstStyle/>
+          <a:p>
+            <a:pPr algn="ctr"/>
+            <a:r>
+              <a:rPr lang="fr-FR" dirty="0">
+                <a:solidFill>
+                  <a:schemeClr val="bg1"/>
+                </a:solidFill>
+                <a:latin typeface="Algerian" panose="04020705040A02060702" pitchFamily="82" charset="0"/>
+              </a:rPr>
+              <a:t>5. Conclusion </a:t>
+            </a:r>
+          </a:p>
+        </p:txBody>
+      </p:sp>
+      <p:sp>
+        <p:nvSpPr>
+          <p:cNvPr id="75" name="Freeform: Shape 74">
+            <a:extLst>
+              <a:ext uri="{FF2B5EF4-FFF2-40B4-BE49-F238E27FC236}">
+                <a16:creationId xmlns:a16="http://schemas.microsoft.com/office/drawing/2014/main" id="{F4CBD955-7E14-485C-919F-EC1D1B9BC25C}"/>
+              </a:ext>
+              <a:ext uri="{C183D7F6-B498-43B3-948B-1728B52AA6E4}">
+                <adec:decorative xmlns:adec="http://schemas.microsoft.com/office/drawing/2017/decorative" val="1"/>
+              </a:ext>
+            </a:extLst>
+          </p:cNvPr>
+          <p:cNvSpPr>
+            <a:spLocks noGrp="1" noRot="1" noChangeAspect="1" noMove="1" noResize="1" noEditPoints="1" noAdjustHandles="1" noChangeArrowheads="1" noChangeShapeType="1" noTextEdit="1"/>
+          </p:cNvSpPr>
+          <p:nvPr>
+            <p:extLst>
+              <p:ext uri="{386F3935-93C4-4BCD-93E2-E3B085C9AB24}">
+                <p16:designElem xmlns:p16="http://schemas.microsoft.com/office/powerpoint/2015/main" val="1"/>
+              </p:ext>
+            </p:extLst>
+          </p:nvPr>
+        </p:nvSpPr>
+        <p:spPr>
+          <a:xfrm>
+            <a:off x="9205410" y="2"/>
+            <a:ext cx="2986590" cy="1511301"/>
+          </a:xfrm>
+          <a:custGeom>
+            <a:avLst/>
+            <a:gdLst>
+              <a:gd name="connsiteX0" fmla="*/ 697617 w 2986590"/>
+              <a:gd name="connsiteY0" fmla="*/ 0 h 1511301"/>
+              <a:gd name="connsiteX1" fmla="*/ 1096710 w 2986590"/>
+              <a:gd name="connsiteY1" fmla="*/ 0 h 1511301"/>
+              <a:gd name="connsiteX2" fmla="*/ 1191330 w 2986590"/>
+              <a:gd name="connsiteY2" fmla="*/ 0 h 1511301"/>
+              <a:gd name="connsiteX3" fmla="*/ 2986590 w 2986590"/>
+              <a:gd name="connsiteY3" fmla="*/ 0 h 1511301"/>
+              <a:gd name="connsiteX4" fmla="*/ 2986590 w 2986590"/>
+              <a:gd name="connsiteY4" fmla="*/ 1511301 h 1511301"/>
+              <a:gd name="connsiteX5" fmla="*/ 1191330 w 2986590"/>
+              <a:gd name="connsiteY5" fmla="*/ 1511301 h 1511301"/>
+              <a:gd name="connsiteX6" fmla="*/ 399093 w 2986590"/>
+              <a:gd name="connsiteY6" fmla="*/ 1511301 h 1511301"/>
+              <a:gd name="connsiteX7" fmla="*/ 0 w 2986590"/>
+              <a:gd name="connsiteY7" fmla="*/ 1511301 h 1511301"/>
+            </a:gdLst>
+            <a:ahLst/>
+            <a:cxnLst>
+              <a:cxn ang="0">
+                <a:pos x="connsiteX0" y="connsiteY0"/>
+              </a:cxn>
+              <a:cxn ang="0">
+                <a:pos x="connsiteX1" y="connsiteY1"/>
+              </a:cxn>
+              <a:cxn ang="0">
+                <a:pos x="connsiteX2" y="connsiteY2"/>
+              </a:cxn>
+              <a:cxn ang="0">
+                <a:pos x="connsiteX3" y="connsiteY3"/>
+              </a:cxn>
+              <a:cxn ang="0">
+                <a:pos x="connsiteX4" y="connsiteY4"/>
+              </a:cxn>
+              <a:cxn ang="0">
+                <a:pos x="connsiteX5" y="connsiteY5"/>
+              </a:cxn>
+              <a:cxn ang="0">
+                <a:pos x="connsiteX6" y="connsiteY6"/>
+              </a:cxn>
+              <a:cxn ang="0">
+                <a:pos x="connsiteX7" y="connsiteY7"/>
+              </a:cxn>
+            </a:cxnLst>
+            <a:rect l="l" t="t" r="r" b="b"/>
+            <a:pathLst>
+              <a:path w="2986590" h="1511301">
+                <a:moveTo>
+                  <a:pt x="697617" y="0"/>
+                </a:moveTo>
+                <a:lnTo>
+                  <a:pt x="1096710" y="0"/>
+                </a:lnTo>
+                <a:lnTo>
+                  <a:pt x="1191330" y="0"/>
+                </a:lnTo>
+                <a:lnTo>
+                  <a:pt x="2986590" y="0"/>
+                </a:lnTo>
+                <a:lnTo>
+                  <a:pt x="2986590" y="1511301"/>
+                </a:lnTo>
+                <a:lnTo>
+                  <a:pt x="1191330" y="1511301"/>
+                </a:lnTo>
+                <a:lnTo>
+                  <a:pt x="399093" y="1511301"/>
+                </a:lnTo>
+                <a:lnTo>
+                  <a:pt x="0" y="1511301"/>
+                </a:lnTo>
+                <a:close/>
+              </a:path>
+            </a:pathLst>
+          </a:custGeom>
+          <a:solidFill>
+            <a:schemeClr val="accent4"/>
+          </a:solidFill>
+          <a:ln>
+            <a:noFill/>
+          </a:ln>
+        </p:spPr>
+        <p:style>
+          <a:lnRef idx="2">
+            <a:schemeClr val="accent1">
+              <a:shade val="50000"/>
+            </a:schemeClr>
+          </a:lnRef>
+          <a:fillRef idx="1">
+            <a:schemeClr val="accent1"/>
+          </a:fillRef>
+          <a:effectRef idx="0">
+            <a:schemeClr val="accent1"/>
+          </a:effectRef>
+          <a:fontRef idx="minor">
+            <a:schemeClr val="lt1"/>
+          </a:fontRef>
+        </p:style>
+        <p:txBody>
+          <a:bodyPr wrap="square" rtlCol="0" anchor="ctr">
+            <a:noAutofit/>
+          </a:bodyPr>
+          <a:lstStyle/>
+          <a:p>
+            <a:pPr algn="ctr"/>
+            <a:endParaRPr lang="en-US"/>
+          </a:p>
+        </p:txBody>
+      </p:sp>
+      <p:sp>
+        <p:nvSpPr>
+          <p:cNvPr id="10" name="ZoneTexte 9">
+            <a:extLst>
+              <a:ext uri="{FF2B5EF4-FFF2-40B4-BE49-F238E27FC236}">
+                <a16:creationId xmlns:a16="http://schemas.microsoft.com/office/drawing/2014/main" id="{474D1212-5434-449B-8237-97DCD502427C}"/>
+              </a:ext>
+            </a:extLst>
+          </p:cNvPr>
+          <p:cNvSpPr txBox="1"/>
+          <p:nvPr/>
+        </p:nvSpPr>
+        <p:spPr>
+          <a:xfrm>
+            <a:off x="9982899" y="182034"/>
+            <a:ext cx="2030136" cy="1200329"/>
+          </a:xfrm>
+          <a:prstGeom prst="rect">
+            <a:avLst/>
+          </a:prstGeom>
+          <a:noFill/>
+        </p:spPr>
+        <p:txBody>
+          <a:bodyPr wrap="square" rtlCol="0">
+            <a:spAutoFit/>
+          </a:bodyPr>
+          <a:lstStyle/>
+          <a:p>
+            <a:r>
+              <a:rPr lang="fr-FR" sz="3600" dirty="0"/>
+              <a:t>Pétanque </a:t>
+            </a:r>
+          </a:p>
+          <a:p>
+            <a:r>
+              <a:rPr lang="fr-FR" sz="3600" dirty="0"/>
+              <a:t>Shooter</a:t>
+            </a:r>
+          </a:p>
+        </p:txBody>
+      </p:sp>
+      <p:sp>
+        <p:nvSpPr>
+          <p:cNvPr id="3" name="ZoneTexte 2">
+            <a:extLst>
+              <a:ext uri="{FF2B5EF4-FFF2-40B4-BE49-F238E27FC236}">
+                <a16:creationId xmlns:a16="http://schemas.microsoft.com/office/drawing/2014/main" id="{420CA6FA-BC4D-4013-8CA2-148EF45F499B}"/>
+              </a:ext>
+            </a:extLst>
+          </p:cNvPr>
+          <p:cNvSpPr txBox="1"/>
+          <p:nvPr/>
+        </p:nvSpPr>
+        <p:spPr>
+          <a:xfrm>
+            <a:off x="289249" y="1810139"/>
+            <a:ext cx="7399175" cy="2585323"/>
+          </a:xfrm>
+          <a:prstGeom prst="rect">
+            <a:avLst/>
+          </a:prstGeom>
+          <a:noFill/>
+        </p:spPr>
+        <p:txBody>
+          <a:bodyPr wrap="square" rtlCol="0">
+            <a:spAutoFit/>
+          </a:bodyPr>
+          <a:lstStyle/>
+          <a:p>
+            <a:r>
+              <a:rPr lang="fr-FR" dirty="0"/>
+              <a:t>LES POINTS NEGATIFS :</a:t>
+            </a:r>
+          </a:p>
+          <a:p>
+            <a:endParaRPr lang="fr-FR" dirty="0"/>
+          </a:p>
+          <a:p>
+            <a:r>
+              <a:rPr lang="fr-FR" dirty="0"/>
+              <a:t>-Travail fastidieux</a:t>
+            </a:r>
+          </a:p>
+          <a:p>
+            <a:endParaRPr lang="fr-FR" dirty="0"/>
+          </a:p>
+          <a:p>
+            <a:r>
+              <a:rPr lang="fr-FR" dirty="0"/>
+              <a:t>-Des erreurs lors de la répartition des tâches</a:t>
+            </a:r>
+          </a:p>
+          <a:p>
+            <a:endParaRPr lang="fr-FR" dirty="0"/>
+          </a:p>
+          <a:p>
+            <a:r>
+              <a:rPr lang="fr-FR" dirty="0"/>
+              <a:t>-Un projet abandonné, puis un deuxième, un troisième fait en 2 semaines.</a:t>
+            </a:r>
+          </a:p>
+          <a:p>
+            <a:endParaRPr lang="fr-FR" dirty="0"/>
+          </a:p>
+          <a:p>
+            <a:r>
+              <a:rPr lang="fr-FR" dirty="0"/>
+              <a:t>Le rendu n’est pas complet </a:t>
+            </a:r>
+          </a:p>
+        </p:txBody>
+      </p:sp>
+      <p:sp>
+        <p:nvSpPr>
+          <p:cNvPr id="4" name="ZoneTexte 3">
+            <a:extLst>
+              <a:ext uri="{FF2B5EF4-FFF2-40B4-BE49-F238E27FC236}">
+                <a16:creationId xmlns:a16="http://schemas.microsoft.com/office/drawing/2014/main" id="{E3480946-1735-429E-9696-809734B7CD29}"/>
+              </a:ext>
+            </a:extLst>
+          </p:cNvPr>
+          <p:cNvSpPr txBox="1"/>
+          <p:nvPr/>
+        </p:nvSpPr>
+        <p:spPr>
+          <a:xfrm>
+            <a:off x="275051" y="4513962"/>
+            <a:ext cx="6439478" cy="2031325"/>
+          </a:xfrm>
+          <a:prstGeom prst="rect">
+            <a:avLst/>
+          </a:prstGeom>
+          <a:noFill/>
+        </p:spPr>
+        <p:txBody>
+          <a:bodyPr wrap="square" rtlCol="0">
+            <a:spAutoFit/>
+          </a:bodyPr>
+          <a:lstStyle/>
+          <a:p>
+            <a:r>
+              <a:rPr lang="fr-FR" dirty="0"/>
               <a:t>LES POINTS POSITIFS :</a:t>
             </a:r>
           </a:p>
@@ -6413,7 +8541,7 @@
           <a:p>
             <a:r>
               <a:rPr lang="fr-FR" dirty="0"/>
-              <a:t>-Le projet final est fini dans les temps</a:t>
+              <a:t>-Le projet est très bien avancé par rapport à la date de début</a:t>
             </a:r>
           </a:p>
           <a:p>
@@ -6422,7 +8550,7 @@
           <a:p>
             <a:r>
               <a:rPr lang="fr-FR" dirty="0"/>
-              <a:t>-Le rendu est</a:t>
+              <a:t>-Nous nous sommes rendus comptes de certains problèmes par rapport aux travaux de groupe et nous savons ce que nous devons faire pour les empêcher dans d’autres projets.</a:t>
             </a:r>
           </a:p>
         </p:txBody>
@@ -10252,7 +12380,7 @@
                 </a:solidFill>
                 <a:latin typeface="Algerian" panose="04020705040A02060702" pitchFamily="82" charset="0"/>
               </a:rPr>
-              <a:t>1.Le Projet: rendu final</a:t>
+              <a:t>1.PROBLèmes rencontrés</a:t>
             </a:r>
           </a:p>
         </p:txBody>
@@ -10397,44 +12525,48 @@
           </a:p>
         </p:txBody>
       </p:sp>
-      <p:pic>
-        <p:nvPicPr>
-          <p:cNvPr id="4" name="Espace réservé du contenu 3">
-            <a:extLst>
-              <a:ext uri="{FF2B5EF4-FFF2-40B4-BE49-F238E27FC236}">
-                <a16:creationId xmlns:a16="http://schemas.microsoft.com/office/drawing/2014/main" id="{6591D8C1-362C-4C2C-B496-81D1E180BD67}"/>
-              </a:ext>
-            </a:extLst>
-          </p:cNvPr>
-          <p:cNvPicPr>
-            <a:picLocks noGrp="1" noChangeAspect="1"/>
-          </p:cNvPicPr>
+      <p:sp>
+        <p:nvSpPr>
+          <p:cNvPr id="5" name="Espace réservé du contenu 4">
+            <a:extLst>
+              <a:ext uri="{FF2B5EF4-FFF2-40B4-BE49-F238E27FC236}">
+                <a16:creationId xmlns:a16="http://schemas.microsoft.com/office/drawing/2014/main" id="{96126F7E-793E-4DD0-8C45-B71DDBA266A2}"/>
+              </a:ext>
+            </a:extLst>
+          </p:cNvPr>
+          <p:cNvSpPr>
+            <a:spLocks noGrp="1"/>
+          </p:cNvSpPr>
           <p:nvPr>
             <p:ph idx="1"/>
           </p:nvPr>
-        </p:nvPicPr>
-        <p:blipFill>
-          <a:blip r:embed="rId3"/>
-          <a:stretch>
-            <a:fillRect/>
-          </a:stretch>
-        </p:blipFill>
+        </p:nvSpPr>
         <p:spPr>
           <a:xfrm>
-            <a:off x="841248" y="3016568"/>
-            <a:ext cx="5705930" cy="2712557"/>
-          </a:xfrm>
-          <a:prstGeom prst="rect">
-            <a:avLst/>
-          </a:prstGeom>
-        </p:spPr>
-      </p:pic>
-      <p:sp>
-        <p:nvSpPr>
-          <p:cNvPr id="5" name="ZoneTexte 4">
-            <a:extLst>
-              <a:ext uri="{FF2B5EF4-FFF2-40B4-BE49-F238E27FC236}">
-                <a16:creationId xmlns:a16="http://schemas.microsoft.com/office/drawing/2014/main" id="{721484BB-E58F-4CC9-B4E2-E41D45223AE1}"/>
+            <a:off x="205473" y="1724463"/>
+            <a:ext cx="10515600" cy="4351338"/>
+          </a:xfrm>
+        </p:spPr>
+        <p:txBody>
+          <a:bodyPr/>
+          <a:lstStyle/>
+          <a:p>
+            <a:pPr marL="0" indent="0">
+              <a:buNone/>
+            </a:pPr>
+            <a:r>
+              <a:rPr lang="fr-FR" dirty="0"/>
+              <a:t> </a:t>
+            </a:r>
+          </a:p>
+        </p:txBody>
+      </p:sp>
+      <p:sp>
+        <p:nvSpPr>
+          <p:cNvPr id="13" name="ZoneTexte 12">
+            <a:extLst>
+              <a:ext uri="{FF2B5EF4-FFF2-40B4-BE49-F238E27FC236}">
+                <a16:creationId xmlns:a16="http://schemas.microsoft.com/office/drawing/2014/main" id="{35612819-6EC0-42C8-B820-72A2AE489D3A}"/>
               </a:ext>
             </a:extLst>
           </p:cNvPr>
@@ -10443,8 +12575,8 @@
         </p:nvSpPr>
         <p:spPr>
           <a:xfrm>
-            <a:off x="2696723" y="2346647"/>
-            <a:ext cx="2688003" cy="461665"/>
+            <a:off x="9982899" y="182034"/>
+            <a:ext cx="2030136" cy="1200329"/>
           </a:xfrm>
           <a:prstGeom prst="rect">
             <a:avLst/>
@@ -10458,18 +12590,24 @@
           <a:lstStyle/>
           <a:p>
             <a:r>
-              <a:rPr lang="fr-FR" sz="2400" dirty="0"/>
-              <a:t>Pétanque Shooter:</a:t>
-            </a:r>
-          </a:p>
-        </p:txBody>
-      </p:sp>
-      <p:sp>
-        <p:nvSpPr>
-          <p:cNvPr id="10" name="ZoneTexte 9">
-            <a:extLst>
-              <a:ext uri="{FF2B5EF4-FFF2-40B4-BE49-F238E27FC236}">
-                <a16:creationId xmlns:a16="http://schemas.microsoft.com/office/drawing/2014/main" id="{474D1212-5434-449B-8237-97DCD502427C}"/>
+              <a:rPr lang="fr-FR" sz="3600" dirty="0"/>
+              <a:t>Pétanque </a:t>
+            </a:r>
+          </a:p>
+          <a:p>
+            <a:r>
+              <a:rPr lang="fr-FR" sz="3600" dirty="0"/>
+              <a:t>Shooter</a:t>
+            </a:r>
+          </a:p>
+        </p:txBody>
+      </p:sp>
+      <p:sp>
+        <p:nvSpPr>
+          <p:cNvPr id="3" name="ZoneTexte 2">
+            <a:extLst>
+              <a:ext uri="{FF2B5EF4-FFF2-40B4-BE49-F238E27FC236}">
+                <a16:creationId xmlns:a16="http://schemas.microsoft.com/office/drawing/2014/main" id="{7C75C4CF-1BB3-4D14-8752-63DC40A99C7E}"/>
               </a:ext>
             </a:extLst>
           </p:cNvPr>
@@ -10478,8 +12616,8 @@
         </p:nvSpPr>
         <p:spPr>
           <a:xfrm>
-            <a:off x="9982899" y="182034"/>
-            <a:ext cx="2030136" cy="1200329"/>
+            <a:off x="2275014" y="3022969"/>
+            <a:ext cx="3545633" cy="1754326"/>
           </a:xfrm>
           <a:prstGeom prst="rect">
             <a:avLst/>
@@ -10493,14 +12631,42 @@
           <a:lstStyle/>
           <a:p>
             <a:r>
-              <a:rPr lang="fr-FR" sz="3600" dirty="0"/>
-              <a:t>Pétanque </a:t>
-            </a:r>
-          </a:p>
-          <a:p>
-            <a:r>
-              <a:rPr lang="fr-FR" sz="3600" dirty="0"/>
-              <a:t>Shooter</a:t>
+              <a:rPr lang="fr-FR" dirty="0"/>
+              <a:t>Sauvegarde corrompue (</a:t>
+            </a:r>
+            <a:r>
+              <a:rPr lang="fr-FR" dirty="0" err="1"/>
+              <a:t>unity</a:t>
+            </a:r>
+            <a:r>
+              <a:rPr lang="fr-FR" dirty="0"/>
+              <a:t> 3d) </a:t>
+            </a:r>
+          </a:p>
+          <a:p>
+            <a:endParaRPr lang="fr-FR" dirty="0"/>
+          </a:p>
+          <a:p>
+            <a:r>
+              <a:rPr lang="fr-FR" dirty="0"/>
+              <a:t>Peu de connaissances dans </a:t>
+            </a:r>
+            <a:r>
+              <a:rPr lang="fr-FR" dirty="0" err="1"/>
+              <a:t>unity</a:t>
+            </a:r>
+            <a:r>
+              <a:rPr lang="fr-FR" dirty="0"/>
+              <a:t> 2d </a:t>
+            </a:r>
+          </a:p>
+          <a:p>
+            <a:endParaRPr lang="fr-FR" dirty="0"/>
+          </a:p>
+          <a:p>
+            <a:r>
+              <a:rPr lang="fr-FR" dirty="0"/>
+              <a:t>Peu d’organisation au début du projet </a:t>
             </a:r>
           </a:p>
         </p:txBody>
@@ -10508,7 +12674,7 @@
     </p:spTree>
     <p:extLst>
       <p:ext uri="{BB962C8B-B14F-4D97-AF65-F5344CB8AC3E}">
-        <p14:creationId xmlns:p14="http://schemas.microsoft.com/office/powerpoint/2010/main" val="2606350476"/>
+        <p14:creationId xmlns:p14="http://schemas.microsoft.com/office/powerpoint/2010/main" val="3069364351"/>
       </p:ext>
     </p:extLst>
   </p:cSld>
@@ -10918,7 +13084,7 @@
                 </a:solidFill>
                 <a:latin typeface="Algerian" panose="04020705040A02060702" pitchFamily="82" charset="0"/>
               </a:rPr>
-              <a:t>2. LANGUAGE Utilisé</a:t>
+              <a:t>1.Le Projet: rendu final</a:t>
             </a:r>
           </a:p>
         </p:txBody>
@@ -11063,60 +13229,21 @@
           </a:p>
         </p:txBody>
       </p:sp>
-      <p:sp>
-        <p:nvSpPr>
-          <p:cNvPr id="10" name="ZoneTexte 9">
-            <a:extLst>
-              <a:ext uri="{FF2B5EF4-FFF2-40B4-BE49-F238E27FC236}">
-                <a16:creationId xmlns:a16="http://schemas.microsoft.com/office/drawing/2014/main" id="{474D1212-5434-449B-8237-97DCD502427C}"/>
-              </a:ext>
-            </a:extLst>
-          </p:cNvPr>
-          <p:cNvSpPr txBox="1"/>
-          <p:nvPr/>
-        </p:nvSpPr>
-        <p:spPr>
-          <a:xfrm>
-            <a:off x="9982899" y="182034"/>
-            <a:ext cx="2030136" cy="1200329"/>
-          </a:xfrm>
-          <a:prstGeom prst="rect">
-            <a:avLst/>
-          </a:prstGeom>
-          <a:noFill/>
-        </p:spPr>
-        <p:txBody>
-          <a:bodyPr wrap="square" rtlCol="0">
-            <a:spAutoFit/>
-          </a:bodyPr>
-          <a:lstStyle/>
-          <a:p>
-            <a:r>
-              <a:rPr lang="fr-FR" sz="3600" dirty="0"/>
-              <a:t>Pétanque </a:t>
-            </a:r>
-          </a:p>
-          <a:p>
-            <a:r>
-              <a:rPr lang="fr-FR" sz="3600" dirty="0"/>
-              <a:t>Shooter</a:t>
-            </a:r>
-          </a:p>
-        </p:txBody>
-      </p:sp>
       <p:pic>
         <p:nvPicPr>
-          <p:cNvPr id="7" name="Image 6">
-            <a:extLst>
-              <a:ext uri="{FF2B5EF4-FFF2-40B4-BE49-F238E27FC236}">
-                <a16:creationId xmlns:a16="http://schemas.microsoft.com/office/drawing/2014/main" id="{07E04868-3847-48B4-8E9A-A0F6F00E3BD9}"/>
+          <p:cNvPr id="4" name="Espace réservé du contenu 3">
+            <a:extLst>
+              <a:ext uri="{FF2B5EF4-FFF2-40B4-BE49-F238E27FC236}">
+                <a16:creationId xmlns:a16="http://schemas.microsoft.com/office/drawing/2014/main" id="{6591D8C1-362C-4C2C-B496-81D1E180BD67}"/>
               </a:ext>
             </a:extLst>
           </p:cNvPr>
           <p:cNvPicPr>
-            <a:picLocks noChangeAspect="1"/>
+            <a:picLocks noGrp="1" noChangeAspect="1"/>
           </p:cNvPicPr>
-          <p:nvPr/>
+          <p:nvPr>
+            <p:ph idx="1"/>
+          </p:nvPr>
         </p:nvPicPr>
         <p:blipFill>
           <a:blip r:embed="rId3"/>
@@ -11126,8 +13253,8 @@
         </p:blipFill>
         <p:spPr>
           <a:xfrm>
-            <a:off x="1530529" y="2375714"/>
-            <a:ext cx="4677439" cy="4351657"/>
+            <a:off x="841248" y="3016568"/>
+            <a:ext cx="5705930" cy="2712557"/>
           </a:xfrm>
           <a:prstGeom prst="rect">
             <a:avLst/>
@@ -11136,10 +13263,10 @@
       </p:pic>
       <p:sp>
         <p:nvSpPr>
-          <p:cNvPr id="8" name="ZoneTexte 7">
-            <a:extLst>
-              <a:ext uri="{FF2B5EF4-FFF2-40B4-BE49-F238E27FC236}">
-                <a16:creationId xmlns:a16="http://schemas.microsoft.com/office/drawing/2014/main" id="{0A42D381-1D3B-4BAC-B33B-48CA484D4796}"/>
+          <p:cNvPr id="5" name="ZoneTexte 4">
+            <a:extLst>
+              <a:ext uri="{FF2B5EF4-FFF2-40B4-BE49-F238E27FC236}">
+                <a16:creationId xmlns:a16="http://schemas.microsoft.com/office/drawing/2014/main" id="{721484BB-E58F-4CC9-B4E2-E41D45223AE1}"/>
               </a:ext>
             </a:extLst>
           </p:cNvPr>
@@ -11148,8 +13275,8 @@
         </p:nvSpPr>
         <p:spPr>
           <a:xfrm>
-            <a:off x="1530529" y="1648956"/>
-            <a:ext cx="4677439" cy="769441"/>
+            <a:off x="2696723" y="2346647"/>
+            <a:ext cx="2688003" cy="461665"/>
           </a:xfrm>
           <a:prstGeom prst="rect">
             <a:avLst/>
@@ -11162,20 +13289,19 @@
           </a:bodyPr>
           <a:lstStyle/>
           <a:p>
-            <a:pPr algn="ctr"/>
-            <a:r>
-              <a:rPr lang="fr-FR" sz="4400" dirty="0"/>
-              <a:t>HTML</a:t>
-            </a:r>
-          </a:p>
-        </p:txBody>
-      </p:sp>
-      <p:sp>
-        <p:nvSpPr>
-          <p:cNvPr id="14" name="ZoneTexte 13">
-            <a:extLst>
-              <a:ext uri="{FF2B5EF4-FFF2-40B4-BE49-F238E27FC236}">
-                <a16:creationId xmlns:a16="http://schemas.microsoft.com/office/drawing/2014/main" id="{E143126C-2F61-42A6-A7D0-F1DD73089CAE}"/>
+            <a:r>
+              <a:rPr lang="fr-FR" sz="2400" dirty="0"/>
+              <a:t>Pétanque Shooter:</a:t>
+            </a:r>
+          </a:p>
+        </p:txBody>
+      </p:sp>
+      <p:sp>
+        <p:nvSpPr>
+          <p:cNvPr id="10" name="ZoneTexte 9">
+            <a:extLst>
+              <a:ext uri="{FF2B5EF4-FFF2-40B4-BE49-F238E27FC236}">
+                <a16:creationId xmlns:a16="http://schemas.microsoft.com/office/drawing/2014/main" id="{474D1212-5434-449B-8237-97DCD502427C}"/>
               </a:ext>
             </a:extLst>
           </p:cNvPr>
@@ -11184,8 +13310,8 @@
         </p:nvSpPr>
         <p:spPr>
           <a:xfrm>
-            <a:off x="160113" y="4422710"/>
-            <a:ext cx="1362270" cy="923330"/>
+            <a:off x="9982899" y="182034"/>
+            <a:ext cx="2030136" cy="1200329"/>
           </a:xfrm>
           <a:prstGeom prst="rect">
             <a:avLst/>
@@ -11199,8 +13325,14 @@
           <a:lstStyle/>
           <a:p>
             <a:r>
-              <a:rPr lang="fr-FR" dirty="0"/>
-              <a:t>Ici un exemple du code </a:t>
+              <a:rPr lang="fr-FR" sz="3600" dirty="0"/>
+              <a:t>Pétanque </a:t>
+            </a:r>
+          </a:p>
+          <a:p>
+            <a:r>
+              <a:rPr lang="fr-FR" sz="3600" dirty="0"/>
+              <a:t>Shooter</a:t>
             </a:r>
           </a:p>
         </p:txBody>
@@ -11208,7 +13340,7 @@
     </p:spTree>
     <p:extLst>
       <p:ext uri="{BB962C8B-B14F-4D97-AF65-F5344CB8AC3E}">
-        <p14:creationId xmlns:p14="http://schemas.microsoft.com/office/powerpoint/2010/main" val="1684562578"/>
+        <p14:creationId xmlns:p14="http://schemas.microsoft.com/office/powerpoint/2010/main" val="2606350476"/>
       </p:ext>
     </p:extLst>
   </p:cSld>
@@ -11804,48 +13936,12 @@
           </a:p>
         </p:txBody>
       </p:sp>
-      <p:sp>
-        <p:nvSpPr>
-          <p:cNvPr id="8" name="ZoneTexte 7">
-            <a:extLst>
-              <a:ext uri="{FF2B5EF4-FFF2-40B4-BE49-F238E27FC236}">
-                <a16:creationId xmlns:a16="http://schemas.microsoft.com/office/drawing/2014/main" id="{0A42D381-1D3B-4BAC-B33B-48CA484D4796}"/>
-              </a:ext>
-            </a:extLst>
-          </p:cNvPr>
-          <p:cNvSpPr txBox="1"/>
-          <p:nvPr/>
-        </p:nvSpPr>
-        <p:spPr>
-          <a:xfrm>
-            <a:off x="1478250" y="1648956"/>
-            <a:ext cx="4677439" cy="769441"/>
-          </a:xfrm>
-          <a:prstGeom prst="rect">
-            <a:avLst/>
-          </a:prstGeom>
-          <a:noFill/>
-        </p:spPr>
-        <p:txBody>
-          <a:bodyPr wrap="square" rtlCol="0">
-            <a:spAutoFit/>
-          </a:bodyPr>
-          <a:lstStyle/>
-          <a:p>
-            <a:pPr algn="ctr"/>
-            <a:r>
-              <a:rPr lang="fr-FR" sz="4400" dirty="0"/>
-              <a:t>JAVASCRIPT</a:t>
-            </a:r>
-          </a:p>
-        </p:txBody>
-      </p:sp>
       <p:pic>
         <p:nvPicPr>
-          <p:cNvPr id="3" name="Image 2">
-            <a:extLst>
-              <a:ext uri="{FF2B5EF4-FFF2-40B4-BE49-F238E27FC236}">
-                <a16:creationId xmlns:a16="http://schemas.microsoft.com/office/drawing/2014/main" id="{0A217638-0BD4-4B8D-BDAF-E9752AC03EB2}"/>
+          <p:cNvPr id="7" name="Image 6">
+            <a:extLst>
+              <a:ext uri="{FF2B5EF4-FFF2-40B4-BE49-F238E27FC236}">
+                <a16:creationId xmlns:a16="http://schemas.microsoft.com/office/drawing/2014/main" id="{07E04868-3847-48B4-8E9A-A0F6F00E3BD9}"/>
               </a:ext>
             </a:extLst>
           </p:cNvPr>
@@ -11862,8 +13958,8 @@
         </p:blipFill>
         <p:spPr>
           <a:xfrm>
-            <a:off x="1431345" y="2418397"/>
-            <a:ext cx="5037003" cy="4156300"/>
+            <a:off x="1530529" y="2375714"/>
+            <a:ext cx="4677439" cy="4351657"/>
           </a:xfrm>
           <a:prstGeom prst="rect">
             <a:avLst/>
@@ -11872,10 +13968,10 @@
       </p:pic>
       <p:sp>
         <p:nvSpPr>
-          <p:cNvPr id="4" name="ZoneTexte 3">
-            <a:extLst>
-              <a:ext uri="{FF2B5EF4-FFF2-40B4-BE49-F238E27FC236}">
-                <a16:creationId xmlns:a16="http://schemas.microsoft.com/office/drawing/2014/main" id="{4A01EE9A-F2AC-4219-9D78-D6AC4298885C}"/>
+          <p:cNvPr id="8" name="ZoneTexte 7">
+            <a:extLst>
+              <a:ext uri="{FF2B5EF4-FFF2-40B4-BE49-F238E27FC236}">
+                <a16:creationId xmlns:a16="http://schemas.microsoft.com/office/drawing/2014/main" id="{0A42D381-1D3B-4BAC-B33B-48CA484D4796}"/>
               </a:ext>
             </a:extLst>
           </p:cNvPr>
@@ -11884,8 +13980,8 @@
         </p:nvSpPr>
         <p:spPr>
           <a:xfrm>
-            <a:off x="160113" y="4422710"/>
-            <a:ext cx="1362270" cy="923330"/>
+            <a:off x="1530529" y="1648956"/>
+            <a:ext cx="4677439" cy="769441"/>
           </a:xfrm>
           <a:prstGeom prst="rect">
             <a:avLst/>
@@ -11898,6 +13994,42 @@
           </a:bodyPr>
           <a:lstStyle/>
           <a:p>
+            <a:pPr algn="ctr"/>
+            <a:r>
+              <a:rPr lang="fr-FR" sz="4400" dirty="0"/>
+              <a:t>HTML</a:t>
+            </a:r>
+          </a:p>
+        </p:txBody>
+      </p:sp>
+      <p:sp>
+        <p:nvSpPr>
+          <p:cNvPr id="14" name="ZoneTexte 13">
+            <a:extLst>
+              <a:ext uri="{FF2B5EF4-FFF2-40B4-BE49-F238E27FC236}">
+                <a16:creationId xmlns:a16="http://schemas.microsoft.com/office/drawing/2014/main" id="{E143126C-2F61-42A6-A7D0-F1DD73089CAE}"/>
+              </a:ext>
+            </a:extLst>
+          </p:cNvPr>
+          <p:cNvSpPr txBox="1"/>
+          <p:nvPr/>
+        </p:nvSpPr>
+        <p:spPr>
+          <a:xfrm>
+            <a:off x="160113" y="4422710"/>
+            <a:ext cx="1362270" cy="923330"/>
+          </a:xfrm>
+          <a:prstGeom prst="rect">
+            <a:avLst/>
+          </a:prstGeom>
+          <a:noFill/>
+        </p:spPr>
+        <p:txBody>
+          <a:bodyPr wrap="square" rtlCol="0">
+            <a:spAutoFit/>
+          </a:bodyPr>
+          <a:lstStyle/>
+          <a:p>
             <a:r>
               <a:rPr lang="fr-FR" dirty="0"/>
               <a:t>Ici un exemple du code </a:t>
@@ -11908,7 +14040,7 @@
     </p:spTree>
     <p:extLst>
       <p:ext uri="{BB962C8B-B14F-4D97-AF65-F5344CB8AC3E}">
-        <p14:creationId xmlns:p14="http://schemas.microsoft.com/office/powerpoint/2010/main" val="2260715465"/>
+        <p14:creationId xmlns:p14="http://schemas.microsoft.com/office/powerpoint/2010/main" val="1684562578"/>
       </p:ext>
     </p:extLst>
   </p:cSld>
